--- a/КУРСОВАЯ.pptx
+++ b/КУРСОВАЯ.pptx
@@ -9,9 +9,9 @@
     <p:sldId id="257" r:id="rId3"/>
     <p:sldId id="258" r:id="rId4"/>
     <p:sldId id="259" r:id="rId5"/>
-    <p:sldId id="260" r:id="rId6"/>
-    <p:sldId id="266" r:id="rId7"/>
-    <p:sldId id="267" r:id="rId8"/>
+    <p:sldId id="268" r:id="rId6"/>
+    <p:sldId id="260" r:id="rId7"/>
+    <p:sldId id="269" r:id="rId8"/>
     <p:sldId id="261" r:id="rId9"/>
     <p:sldId id="262" r:id="rId10"/>
     <p:sldId id="263" r:id="rId11"/>
@@ -113,6 +113,11 @@
       </a:defRPr>
     </a:lvl9pPr>
   </p:defaultTextStyle>
+  <p:extLst>
+    <p:ext uri="{EFAFB233-063F-42B5-8137-9DF3F51BA10A}">
+      <p15:sldGuideLst xmlns:p15="http://schemas.microsoft.com/office/powerpoint/2012/main"/>
+    </p:ext>
+  </p:extLst>
 </p:presentation>
 </file>
 
@@ -267,7 +272,7 @@
           <a:p>
             <a:fld id="{44A7D4A3-99F2-5641-AE95-BF88EA2F1B45}" type="datetimeFigureOut">
               <a:rPr lang="ru-RU" smtClean="0"/>
-              <a:t>17.04.2019</a:t>
+              <a:t>21.04.2019</a:t>
             </a:fld>
             <a:endParaRPr lang="ru-RU"/>
           </a:p>
@@ -478,7 +483,7 @@
           <a:p>
             <a:fld id="{44A7D4A3-99F2-5641-AE95-BF88EA2F1B45}" type="datetimeFigureOut">
               <a:rPr lang="ru-RU" smtClean="0"/>
-              <a:t>17.04.2019</a:t>
+              <a:t>21.04.2019</a:t>
             </a:fld>
             <a:endParaRPr lang="ru-RU"/>
           </a:p>
@@ -693,7 +698,7 @@
           <a:p>
             <a:fld id="{44A7D4A3-99F2-5641-AE95-BF88EA2F1B45}" type="datetimeFigureOut">
               <a:rPr lang="ru-RU" smtClean="0"/>
-              <a:t>17.04.2019</a:t>
+              <a:t>21.04.2019</a:t>
             </a:fld>
             <a:endParaRPr lang="ru-RU"/>
           </a:p>
@@ -894,7 +899,7 @@
           <a:p>
             <a:fld id="{44A7D4A3-99F2-5641-AE95-BF88EA2F1B45}" type="datetimeFigureOut">
               <a:rPr lang="ru-RU" smtClean="0"/>
-              <a:t>17.04.2019</a:t>
+              <a:t>21.04.2019</a:t>
             </a:fld>
             <a:endParaRPr lang="ru-RU"/>
           </a:p>
@@ -1173,7 +1178,7 @@
           <a:p>
             <a:fld id="{44A7D4A3-99F2-5641-AE95-BF88EA2F1B45}" type="datetimeFigureOut">
               <a:rPr lang="ru-RU" smtClean="0"/>
-              <a:t>17.04.2019</a:t>
+              <a:t>21.04.2019</a:t>
             </a:fld>
             <a:endParaRPr lang="ru-RU"/>
           </a:p>
@@ -1441,7 +1446,7 @@
           <a:p>
             <a:fld id="{44A7D4A3-99F2-5641-AE95-BF88EA2F1B45}" type="datetimeFigureOut">
               <a:rPr lang="ru-RU" smtClean="0"/>
-              <a:t>17.04.2019</a:t>
+              <a:t>21.04.2019</a:t>
             </a:fld>
             <a:endParaRPr lang="ru-RU"/>
           </a:p>
@@ -1857,7 +1862,7 @@
           <a:p>
             <a:fld id="{44A7D4A3-99F2-5641-AE95-BF88EA2F1B45}" type="datetimeFigureOut">
               <a:rPr lang="ru-RU" smtClean="0"/>
-              <a:t>17.04.2019</a:t>
+              <a:t>21.04.2019</a:t>
             </a:fld>
             <a:endParaRPr lang="ru-RU"/>
           </a:p>
@@ -2006,7 +2011,7 @@
           <a:p>
             <a:fld id="{44A7D4A3-99F2-5641-AE95-BF88EA2F1B45}" type="datetimeFigureOut">
               <a:rPr lang="ru-RU" smtClean="0"/>
-              <a:t>17.04.2019</a:t>
+              <a:t>21.04.2019</a:t>
             </a:fld>
             <a:endParaRPr lang="ru-RU"/>
           </a:p>
@@ -2132,7 +2137,7 @@
           <a:p>
             <a:fld id="{44A7D4A3-99F2-5641-AE95-BF88EA2F1B45}" type="datetimeFigureOut">
               <a:rPr lang="ru-RU" smtClean="0"/>
-              <a:t>17.04.2019</a:t>
+              <a:t>21.04.2019</a:t>
             </a:fld>
             <a:endParaRPr lang="ru-RU"/>
           </a:p>
@@ -2383,7 +2388,7 @@
           <a:p>
             <a:fld id="{44A7D4A3-99F2-5641-AE95-BF88EA2F1B45}" type="datetimeFigureOut">
               <a:rPr lang="ru-RU" smtClean="0"/>
-              <a:t>17.04.2019</a:t>
+              <a:t>21.04.2019</a:t>
             </a:fld>
             <a:endParaRPr lang="ru-RU"/>
           </a:p>
@@ -2828,7 +2833,7 @@
           <a:p>
             <a:fld id="{44A7D4A3-99F2-5641-AE95-BF88EA2F1B45}" type="datetimeFigureOut">
               <a:rPr lang="ru-RU" smtClean="0"/>
-              <a:t>17.04.2019</a:t>
+              <a:t>21.04.2019</a:t>
             </a:fld>
             <a:endParaRPr lang="ru-RU"/>
           </a:p>
@@ -3155,7 +3160,7 @@
           <a:p>
             <a:fld id="{44A7D4A3-99F2-5641-AE95-BF88EA2F1B45}" type="datetimeFigureOut">
               <a:rPr lang="ru-RU" smtClean="0"/>
-              <a:t>17.04.2019</a:t>
+              <a:t>21.04.2019</a:t>
             </a:fld>
             <a:endParaRPr lang="ru-RU"/>
           </a:p>
@@ -3989,18 +3994,6 @@
   <p:clrMapOvr>
     <a:masterClrMapping/>
   </p:clrMapOvr>
-  <mc:AlternateContent xmlns:mc="http://schemas.openxmlformats.org/markup-compatibility/2006">
-    <mc:Choice xmlns:p14="http://schemas.microsoft.com/office/powerpoint/2010/main" Requires="p14">
-      <p:transition spd="slow" p14:dur="3400">
-        <p14:reveal/>
-      </p:transition>
-    </mc:Choice>
-    <mc:Fallback>
-      <p:transition spd="slow">
-        <p:fade/>
-      </p:transition>
-    </mc:Fallback>
-  </mc:AlternateContent>
 </p:sld>
 </file>
 
@@ -4046,27 +4039,7 @@
           <a:p>
             <a:r>
               <a:rPr lang="ru-RU" sz="2400" dirty="0"/>
-              <a:t>В настоящее время термин «ЭВМ», как относящийся больше к вопросам конкретного физического воплощения вычислителя, почти вытеснен из бытового употребления и в основном используется инженерами цифровой электроники, как правовой термин в </a:t>
-            </a:r>
-            <a:r>
-              <a:rPr lang="ru-RU" sz="2400" dirty="0">
-                <a:hlinkClick r:id="rId2" tooltip="Юриспруденция"/>
-              </a:rPr>
-              <a:t>юридических</a:t>
-            </a:r>
-            <a:r>
-              <a:rPr lang="ru-RU" sz="2400" dirty="0"/>
-              <a:t> документах, а также в историческом смысле — для обозначения вычислительной техники 1940—1980-х годов и больших вычислительных устройств, в отличие от </a:t>
-            </a:r>
-            <a:r>
-              <a:rPr lang="ru-RU" sz="2400" dirty="0">
-                <a:hlinkClick r:id="rId3" tooltip="Персональный компьютер"/>
-              </a:rPr>
-              <a:t>персональных</a:t>
-            </a:r>
-            <a:r>
-              <a:rPr lang="ru-RU" sz="2400" dirty="0"/>
-              <a:t>.</a:t>
+              <a:t>В настоящее время термин «ЭВМ», как относящийся больше к вопросам конкретного физического воплощения вычислителя, почти вытеснен из бытового употребления и в основном используется инженерами цифровой электроники, как правовой термин в юридических документах, а также в историческом смысле — для обозначения вычислительной техники 1940—1980-х годов и больших вычислительных устройств, в отличие от персональных.</a:t>
             </a:r>
           </a:p>
         </p:txBody>
@@ -4081,18 +4054,6 @@
   <p:clrMapOvr>
     <a:masterClrMapping/>
   </p:clrMapOvr>
-  <mc:AlternateContent xmlns:mc="http://schemas.openxmlformats.org/markup-compatibility/2006">
-    <mc:Choice xmlns:p159="http://schemas.microsoft.com/office/powerpoint/2015/09/main" Requires="p159">
-      <p:transition xmlns:p14="http://schemas.microsoft.com/office/powerpoint/2010/main" spd="slow" p14:dur="2000">
-        <p159:morph option="byObject"/>
-      </p:transition>
-    </mc:Choice>
-    <mc:Fallback>
-      <p:transition spd="slow">
-        <p:fade/>
-      </p:transition>
-    </mc:Fallback>
-  </mc:AlternateContent>
 </p:sld>
 </file>
 
@@ -4237,9 +4198,6 @@
   <p:clrMapOvr>
     <a:masterClrMapping/>
   </p:clrMapOvr>
-  <p:transition spd="slow">
-    <p:push dir="u"/>
-  </p:transition>
 </p:sld>
 </file>
 
@@ -4288,16 +4246,8 @@
           <a:lstStyle/>
           <a:p>
             <a:r>
-              <a:rPr lang="ru-RU" b="1" dirty="0" err="1"/>
-              <a:t>Электро́нно-вычисли́тельная</a:t>
-            </a:r>
-            <a:r>
               <a:rPr lang="ru-RU" b="1" dirty="0"/>
-              <a:t> </a:t>
-            </a:r>
-            <a:r>
-              <a:rPr lang="ru-RU" b="1" dirty="0" err="1"/>
-              <a:t>маши́на</a:t>
+              <a:t>Электронно-вычислительная машина</a:t>
             </a:r>
             <a:r>
               <a:rPr lang="ru-RU" dirty="0"/>
@@ -4309,37 +4259,23 @@
             </a:r>
             <a:r>
               <a:rPr lang="ru-RU" dirty="0"/>
-              <a:t>) — комплекс технических, аппаратных и </a:t>
+              <a:t>) — комплекс технических, аппаратных и</a:t>
             </a:r>
             <a:r>
               <a:rPr lang="ru-RU" dirty="0">
-                <a:hlinkClick r:id="rId2" tooltip="Программное обеспечение"/>
+                <a:effectLst>
+                  <a:outerShdw blurRad="38100" dist="38100" dir="2700000" algn="tl">
+                    <a:srgbClr val="000000">
+                      <a:alpha val="43137"/>
+                    </a:srgbClr>
+                  </a:outerShdw>
+                </a:effectLst>
               </a:rPr>
-              <a:t>программных</a:t>
+              <a:t> </a:t>
             </a:r>
             <a:r>
               <a:rPr lang="ru-RU" dirty="0"/>
-              <a:t> средств, предназначенных для автоматической обработки информации, вычислений, </a:t>
-            </a:r>
-            <a:r>
-              <a:rPr lang="ru-RU" dirty="0">
-                <a:hlinkClick r:id="rId3" tooltip="Система управления"/>
-              </a:rPr>
-              <a:t>автоматического управления</a:t>
-            </a:r>
-            <a:r>
-              <a:rPr lang="ru-RU" dirty="0"/>
-              <a:t>. При этом основные функциональные элементы (логические, запоминающие, индикационные и др.) выполнены на </a:t>
-            </a:r>
-            <a:r>
-              <a:rPr lang="ru-RU" dirty="0">
-                <a:hlinkClick r:id="rId4" tooltip="Электроника"/>
-              </a:rPr>
-              <a:t>электронных элементах</a:t>
-            </a:r>
-            <a:r>
-              <a:rPr lang="ru-RU" dirty="0"/>
-              <a:t> </a:t>
+              <a:t>программных средств, предназначенных для автоматической обработки информации, вычислений, автоматического управления. При этом основные функциональные элементы (логические, запоминающие, индикационные и др.) выполнены на электронных элементах </a:t>
             </a:r>
           </a:p>
         </p:txBody>
@@ -4405,18 +4341,6 @@
   <p:clrMapOvr>
     <a:masterClrMapping/>
   </p:clrMapOvr>
-  <mc:AlternateContent xmlns:mc="http://schemas.openxmlformats.org/markup-compatibility/2006">
-    <mc:Choice xmlns:p14="http://schemas.microsoft.com/office/powerpoint/2010/main" Requires="p14">
-      <p:transition spd="slow" p14:dur="1500">
-        <p:split orient="vert"/>
-      </p:transition>
-    </mc:Choice>
-    <mc:Fallback>
-      <p:transition spd="slow">
-        <p:split orient="vert"/>
-      </p:transition>
-    </mc:Fallback>
-  </mc:AlternateContent>
 </p:sld>
 </file>
 
@@ -4506,6 +4430,21 @@
               </a:rPr>
               <a:t>:</a:t>
             </a:r>
+            <a:br>
+              <a:rPr lang="ru-RU" cap="none" dirty="0">
+                <a:ln w="0"/>
+                <a:solidFill>
+                  <a:schemeClr val="accent1"/>
+                </a:solidFill>
+                <a:effectLst>
+                  <a:outerShdw blurRad="38100" dist="25400" dir="5400000" algn="ctr" rotWithShape="0">
+                    <a:srgbClr val="6E747A">
+                      <a:alpha val="43000"/>
+                    </a:srgbClr>
+                  </a:outerShdw>
+                </a:effectLst>
+              </a:rPr>
+            </a:br>
             <a:endParaRPr lang="ru-RU" cap="none" dirty="0">
               <a:ln w="0"/>
               <a:solidFill>
@@ -4546,46 +4485,42 @@
         </p:blipFill>
         <p:spPr>
           <a:xfrm>
-            <a:off x="1447800" y="2052622"/>
+            <a:off x="6413898" y="2017343"/>
             <a:ext cx="4645025" cy="3365531"/>
           </a:xfrm>
         </p:spPr>
       </p:pic>
-      <p:pic>
-        <p:nvPicPr>
-          <p:cNvPr id="14" name="Объект 13">
+      <p:sp>
+        <p:nvSpPr>
+          <p:cNvPr id="2" name="Объект 1">
             <a:extLst>
               <a:ext uri="{FF2B5EF4-FFF2-40B4-BE49-F238E27FC236}">
-                <a16:creationId xmlns:a16="http://schemas.microsoft.com/office/drawing/2014/main" id="{3A453C15-97D8-4249-B310-F50949323859}"/>
+                <a16:creationId xmlns:a16="http://schemas.microsoft.com/office/drawing/2014/main" id="{1279CDBE-E3C2-4041-92E6-5CFF3B6D1AB9}"/>
               </a:ext>
             </a:extLst>
           </p:cNvPr>
-          <p:cNvPicPr>
-            <a:picLocks noGrp="1" noChangeAspect="1"/>
-          </p:cNvPicPr>
+          <p:cNvSpPr>
+            <a:spLocks noGrp="1"/>
+          </p:cNvSpPr>
           <p:nvPr>
             <p:ph sz="half" idx="2"/>
           </p:nvPr>
-        </p:nvPicPr>
-        <p:blipFill>
-          <a:blip r:embed="rId3"/>
-          <a:stretch>
-            <a:fillRect/>
-          </a:stretch>
-        </p:blipFill>
-        <p:spPr>
-          <a:xfrm>
-            <a:off x="6430159" y="2017713"/>
-            <a:ext cx="4624693" cy="3441700"/>
-          </a:xfrm>
-        </p:spPr>
-      </p:pic>
-      <p:sp>
-        <p:nvSpPr>
-          <p:cNvPr id="17" name="TextBox 16">
+        </p:nvSpPr>
+        <p:spPr/>
+        <p:txBody>
+          <a:bodyPr/>
+          <a:lstStyle/>
+          <a:p>
+            <a:endParaRPr lang="ru-RU" dirty="0"/>
+          </a:p>
+        </p:txBody>
+      </p:sp>
+      <p:sp>
+        <p:nvSpPr>
+          <p:cNvPr id="8" name="TextBox 7">
             <a:extLst>
               <a:ext uri="{FF2B5EF4-FFF2-40B4-BE49-F238E27FC236}">
-                <a16:creationId xmlns:a16="http://schemas.microsoft.com/office/drawing/2014/main" id="{BD8140DA-6D4C-804C-B00B-F1A7D8CF9BD9}"/>
+                <a16:creationId xmlns:a16="http://schemas.microsoft.com/office/drawing/2014/main" id="{2035CADB-F831-4DB6-9075-168A7CE5811A}"/>
               </a:ext>
             </a:extLst>
           </p:cNvPr>
@@ -4594,8 +4529,8 @@
         </p:nvSpPr>
         <p:spPr>
           <a:xfrm>
-            <a:off x="6430159" y="5612932"/>
-            <a:ext cx="4458593" cy="646331"/>
+            <a:off x="1350035" y="1542525"/>
+            <a:ext cx="2852960" cy="369332"/>
           </a:xfrm>
           <a:prstGeom prst="rect">
             <a:avLst/>
@@ -4610,11 +4545,276 @@
           <a:p>
             <a:r>
               <a:rPr lang="ru-RU" b="1" dirty="0"/>
-              <a:t>Второе поколение ЭВМ (1959 — 1967 гг.)</a:t>
-            </a:r>
-          </a:p>
-          <a:p>
-            <a:endParaRPr lang="ru-RU" dirty="0"/>
+              <a:t>ПЕРВОЕ ПОКОЛЕНИЕ ЭВМ</a:t>
+            </a:r>
+            <a:r>
+              <a:rPr lang="en-US" b="1" dirty="0"/>
+              <a:t>:</a:t>
+            </a:r>
+            <a:endParaRPr lang="ru-RU" b="1" dirty="0"/>
+          </a:p>
+        </p:txBody>
+      </p:sp>
+      <p:sp>
+        <p:nvSpPr>
+          <p:cNvPr id="10" name="Объект 2">
+            <a:extLst>
+              <a:ext uri="{FF2B5EF4-FFF2-40B4-BE49-F238E27FC236}">
+                <a16:creationId xmlns:a16="http://schemas.microsoft.com/office/drawing/2014/main" id="{522BC060-FB86-4E43-BD77-48C55EA1CF36}"/>
+              </a:ext>
+            </a:extLst>
+          </p:cNvPr>
+          <p:cNvSpPr txBox="1">
+            <a:spLocks/>
+          </p:cNvSpPr>
+          <p:nvPr/>
+        </p:nvSpPr>
+        <p:spPr>
+          <a:xfrm>
+            <a:off x="1265351" y="1882406"/>
+            <a:ext cx="4577608" cy="5520905"/>
+          </a:xfrm>
+          <a:prstGeom prst="rect">
+            <a:avLst/>
+          </a:prstGeom>
+        </p:spPr>
+        <p:txBody>
+          <a:bodyPr vert="horz" lIns="91440" tIns="45720" rIns="91440" bIns="45720" rtlCol="0">
+            <a:normAutofit fontScale="25000" lnSpcReduction="20000"/>
+          </a:bodyPr>
+          <a:lstStyle>
+            <a:lvl1pPr marL="228600" indent="-228600" algn="l" defTabSz="914400" rtl="0" eaLnBrk="1" latinLnBrk="0" hangingPunct="1">
+              <a:lnSpc>
+                <a:spcPct val="120000"/>
+              </a:lnSpc>
+              <a:spcBef>
+                <a:spcPts val="1000"/>
+              </a:spcBef>
+              <a:buClr>
+                <a:schemeClr val="accent1"/>
+              </a:buClr>
+              <a:buSzPct val="100000"/>
+              <a:buFont typeface="Arial" panose="020B0604020202020204" pitchFamily="34" charset="0"/>
+              <a:buChar char="•"/>
+              <a:defRPr sz="2000" kern="1200">
+                <a:solidFill>
+                  <a:schemeClr val="tx1"/>
+                </a:solidFill>
+                <a:effectLst/>
+                <a:latin typeface="+mn-lt"/>
+                <a:ea typeface="+mn-ea"/>
+                <a:cs typeface="+mn-cs"/>
+              </a:defRPr>
+            </a:lvl1pPr>
+            <a:lvl2pPr marL="685800" indent="-228600" algn="l" defTabSz="914400" rtl="0" eaLnBrk="1" latinLnBrk="0" hangingPunct="1">
+              <a:lnSpc>
+                <a:spcPct val="120000"/>
+              </a:lnSpc>
+              <a:spcBef>
+                <a:spcPts val="500"/>
+              </a:spcBef>
+              <a:buClr>
+                <a:schemeClr val="accent1"/>
+              </a:buClr>
+              <a:buSzPct val="100000"/>
+              <a:buFont typeface="Arial" panose="020B0604020202020204" pitchFamily="34" charset="0"/>
+              <a:buChar char="•"/>
+              <a:defRPr sz="1800" kern="1200" cap="none" baseline="0">
+                <a:solidFill>
+                  <a:schemeClr val="tx1"/>
+                </a:solidFill>
+                <a:effectLst/>
+                <a:latin typeface="+mn-lt"/>
+                <a:ea typeface="+mn-ea"/>
+                <a:cs typeface="+mn-cs"/>
+              </a:defRPr>
+            </a:lvl2pPr>
+            <a:lvl3pPr marL="1143000" indent="-228600" algn="l" defTabSz="914400" rtl="0" eaLnBrk="1" latinLnBrk="0" hangingPunct="1">
+              <a:lnSpc>
+                <a:spcPct val="120000"/>
+              </a:lnSpc>
+              <a:spcBef>
+                <a:spcPts val="500"/>
+              </a:spcBef>
+              <a:buClr>
+                <a:schemeClr val="accent1"/>
+              </a:buClr>
+              <a:buSzPct val="100000"/>
+              <a:buFont typeface="Arial" panose="020B0604020202020204" pitchFamily="34" charset="0"/>
+              <a:buChar char="•"/>
+              <a:defRPr sz="1600" kern="1200">
+                <a:solidFill>
+                  <a:schemeClr val="tx1"/>
+                </a:solidFill>
+                <a:effectLst/>
+                <a:latin typeface="+mn-lt"/>
+                <a:ea typeface="+mn-ea"/>
+                <a:cs typeface="+mn-cs"/>
+              </a:defRPr>
+            </a:lvl3pPr>
+            <a:lvl4pPr marL="1600200" indent="-228600" algn="l" defTabSz="914400" rtl="0" eaLnBrk="1" latinLnBrk="0" hangingPunct="1">
+              <a:lnSpc>
+                <a:spcPct val="120000"/>
+              </a:lnSpc>
+              <a:spcBef>
+                <a:spcPts val="500"/>
+              </a:spcBef>
+              <a:buClr>
+                <a:schemeClr val="accent1"/>
+              </a:buClr>
+              <a:buSzPct val="100000"/>
+              <a:buFont typeface="Arial" panose="020B0604020202020204" pitchFamily="34" charset="0"/>
+              <a:buChar char="•"/>
+              <a:defRPr sz="1400" kern="1200" cap="none" baseline="0">
+                <a:solidFill>
+                  <a:schemeClr val="tx1"/>
+                </a:solidFill>
+                <a:effectLst/>
+                <a:latin typeface="+mn-lt"/>
+                <a:ea typeface="+mn-ea"/>
+                <a:cs typeface="+mn-cs"/>
+              </a:defRPr>
+            </a:lvl4pPr>
+            <a:lvl5pPr marL="2057400" indent="-228600" algn="l" defTabSz="914400" rtl="0" eaLnBrk="1" latinLnBrk="0" hangingPunct="1">
+              <a:lnSpc>
+                <a:spcPct val="120000"/>
+              </a:lnSpc>
+              <a:spcBef>
+                <a:spcPts val="500"/>
+              </a:spcBef>
+              <a:buClr>
+                <a:schemeClr val="accent1"/>
+              </a:buClr>
+              <a:buSzPct val="100000"/>
+              <a:buFont typeface="Arial" panose="020B0604020202020204" pitchFamily="34" charset="0"/>
+              <a:buChar char="•"/>
+              <a:defRPr sz="1200" kern="1200">
+                <a:solidFill>
+                  <a:schemeClr val="tx1"/>
+                </a:solidFill>
+                <a:effectLst/>
+                <a:latin typeface="+mn-lt"/>
+                <a:ea typeface="+mn-ea"/>
+                <a:cs typeface="+mn-cs"/>
+              </a:defRPr>
+            </a:lvl5pPr>
+            <a:lvl6pPr marL="2514600" indent="-228600" algn="l" defTabSz="914400" rtl="0" eaLnBrk="1" latinLnBrk="0" hangingPunct="1">
+              <a:lnSpc>
+                <a:spcPct val="120000"/>
+              </a:lnSpc>
+              <a:spcBef>
+                <a:spcPts val="500"/>
+              </a:spcBef>
+              <a:buClr>
+                <a:schemeClr val="accent1"/>
+              </a:buClr>
+              <a:buSzPct val="100000"/>
+              <a:buFont typeface="Arial" panose="020B0604020202020204" pitchFamily="34" charset="0"/>
+              <a:buChar char="•"/>
+              <a:defRPr sz="1200" kern="1200">
+                <a:solidFill>
+                  <a:schemeClr val="tx1"/>
+                </a:solidFill>
+                <a:effectLst/>
+                <a:latin typeface="+mn-lt"/>
+                <a:ea typeface="+mn-ea"/>
+                <a:cs typeface="+mn-cs"/>
+              </a:defRPr>
+            </a:lvl6pPr>
+            <a:lvl7pPr marL="2971800" indent="-228600" algn="l" defTabSz="914400" rtl="0" eaLnBrk="1" latinLnBrk="0" hangingPunct="1">
+              <a:lnSpc>
+                <a:spcPct val="120000"/>
+              </a:lnSpc>
+              <a:spcBef>
+                <a:spcPts val="500"/>
+              </a:spcBef>
+              <a:buClr>
+                <a:schemeClr val="accent1"/>
+              </a:buClr>
+              <a:buSzPct val="100000"/>
+              <a:buFont typeface="Arial" panose="020B0604020202020204" pitchFamily="34" charset="0"/>
+              <a:buChar char="•"/>
+              <a:defRPr sz="1200" kern="1200">
+                <a:solidFill>
+                  <a:schemeClr val="tx1"/>
+                </a:solidFill>
+                <a:effectLst/>
+                <a:latin typeface="+mn-lt"/>
+                <a:ea typeface="+mn-ea"/>
+                <a:cs typeface="+mn-cs"/>
+              </a:defRPr>
+            </a:lvl7pPr>
+            <a:lvl8pPr marL="3429000" indent="-228600" algn="l" defTabSz="914400" rtl="0" eaLnBrk="1" latinLnBrk="0" hangingPunct="1">
+              <a:lnSpc>
+                <a:spcPct val="120000"/>
+              </a:lnSpc>
+              <a:spcBef>
+                <a:spcPts val="500"/>
+              </a:spcBef>
+              <a:buClr>
+                <a:schemeClr val="accent1"/>
+              </a:buClr>
+              <a:buSzPct val="100000"/>
+              <a:buFont typeface="Arial" panose="020B0604020202020204" pitchFamily="34" charset="0"/>
+              <a:buChar char="•"/>
+              <a:defRPr sz="1200" kern="1200" baseline="0">
+                <a:solidFill>
+                  <a:schemeClr val="tx1"/>
+                </a:solidFill>
+                <a:effectLst/>
+                <a:latin typeface="+mn-lt"/>
+                <a:ea typeface="+mn-ea"/>
+                <a:cs typeface="+mn-cs"/>
+              </a:defRPr>
+            </a:lvl8pPr>
+            <a:lvl9pPr marL="3886200" indent="-228600" algn="l" defTabSz="914400" rtl="0" eaLnBrk="1" latinLnBrk="0" hangingPunct="1">
+              <a:lnSpc>
+                <a:spcPct val="120000"/>
+              </a:lnSpc>
+              <a:spcBef>
+                <a:spcPts val="500"/>
+              </a:spcBef>
+              <a:buClr>
+                <a:schemeClr val="accent1"/>
+              </a:buClr>
+              <a:buSzPct val="100000"/>
+              <a:buFont typeface="Arial" panose="020B0604020202020204" pitchFamily="34" charset="0"/>
+              <a:buChar char="•"/>
+              <a:defRPr sz="1200" kern="1200" baseline="0">
+                <a:solidFill>
+                  <a:schemeClr val="tx1"/>
+                </a:solidFill>
+                <a:effectLst/>
+                <a:latin typeface="+mn-lt"/>
+                <a:ea typeface="+mn-ea"/>
+                <a:cs typeface="+mn-cs"/>
+              </a:defRPr>
+            </a:lvl9pPr>
+          </a:lstStyle>
+          <a:p>
+            <a:r>
+              <a:rPr lang="ru-RU" sz="6000"/>
+              <a:t>Первое поколение ЭВМ создавалось на электронных лампах в период с 1944 по 1954 гг. </a:t>
+            </a:r>
+          </a:p>
+          <a:p>
+            <a:r>
+              <a:rPr lang="ru-RU" sz="6000"/>
+              <a:t>Электронная лампа – это прибор, работа которого осуществляется за счет изменения потока электронов, двигающихся в вакууме от катода к аноду.</a:t>
+            </a:r>
+          </a:p>
+          <a:p>
+            <a:r>
+              <a:rPr lang="ru-RU" sz="6000"/>
+              <a:t>Движение электронов происходит за счет термоэлектронной эмиссии – испускания электронов с поверхности нагретых металлов. Дело в том, что металлы обладают большой концентрацией свободных электронов, обладающих различной энергией, а, следовательно, и скоростями движения. По мере нагревания металла энергия электронов возрастает, и некоторые из них преодолевают потенциальный барьер на границе металла.</a:t>
+            </a:r>
+          </a:p>
+          <a:p>
+            <a:pPr marL="0" indent="0">
+              <a:buFont typeface="Arial" panose="020B0604020202020204" pitchFamily="34" charset="0"/>
+              <a:buNone/>
+            </a:pPr>
+            <a:endParaRPr lang="ru-RU" b="1" dirty="0"/>
           </a:p>
         </p:txBody>
       </p:sp>
@@ -4648,21 +4848,99 @@
           <a:chExt cx="0" cy="0"/>
         </a:xfrm>
       </p:grpSpPr>
+      <p:sp>
+        <p:nvSpPr>
+          <p:cNvPr id="2" name="Заголовок 1">
+            <a:extLst>
+              <a:ext uri="{FF2B5EF4-FFF2-40B4-BE49-F238E27FC236}">
+                <a16:creationId xmlns:a16="http://schemas.microsoft.com/office/drawing/2014/main" id="{2A6D8967-C046-4A3F-8946-DC7D5ED367B3}"/>
+              </a:ext>
+            </a:extLst>
+          </p:cNvPr>
+          <p:cNvSpPr>
+            <a:spLocks noGrp="1"/>
+          </p:cNvSpPr>
+          <p:nvPr>
+            <p:ph type="title"/>
+          </p:nvPr>
+        </p:nvSpPr>
+        <p:spPr>
+          <a:xfrm>
+            <a:off x="1449217" y="786466"/>
+            <a:ext cx="9605635" cy="1059305"/>
+          </a:xfrm>
+        </p:spPr>
+        <p:txBody>
+          <a:bodyPr/>
+          <a:lstStyle/>
+          <a:p>
+            <a:endParaRPr lang="ru-RU" dirty="0"/>
+          </a:p>
+        </p:txBody>
+      </p:sp>
+      <p:sp>
+        <p:nvSpPr>
+          <p:cNvPr id="3" name="Объект 2">
+            <a:extLst>
+              <a:ext uri="{FF2B5EF4-FFF2-40B4-BE49-F238E27FC236}">
+                <a16:creationId xmlns:a16="http://schemas.microsoft.com/office/drawing/2014/main" id="{599A8472-0D39-45F4-B8DD-71A1FB26A7D1}"/>
+              </a:ext>
+            </a:extLst>
+          </p:cNvPr>
+          <p:cNvSpPr>
+            <a:spLocks noGrp="1"/>
+          </p:cNvSpPr>
+          <p:nvPr>
+            <p:ph sz="half" idx="1"/>
+          </p:nvPr>
+        </p:nvSpPr>
+        <p:spPr/>
+        <p:txBody>
+          <a:bodyPr/>
+          <a:lstStyle/>
+          <a:p>
+            <a:endParaRPr lang="ru-RU" dirty="0"/>
+          </a:p>
+        </p:txBody>
+      </p:sp>
+      <p:sp>
+        <p:nvSpPr>
+          <p:cNvPr id="4" name="Объект 3">
+            <a:extLst>
+              <a:ext uri="{FF2B5EF4-FFF2-40B4-BE49-F238E27FC236}">
+                <a16:creationId xmlns:a16="http://schemas.microsoft.com/office/drawing/2014/main" id="{0869D249-BDBF-439C-854C-F81EA1461411}"/>
+              </a:ext>
+            </a:extLst>
+          </p:cNvPr>
+          <p:cNvSpPr>
+            <a:spLocks noGrp="1"/>
+          </p:cNvSpPr>
+          <p:nvPr>
+            <p:ph sz="half" idx="2"/>
+          </p:nvPr>
+        </p:nvSpPr>
+        <p:spPr/>
+        <p:txBody>
+          <a:bodyPr/>
+          <a:lstStyle/>
+          <a:p>
+            <a:endParaRPr lang="ru-RU"/>
+          </a:p>
+        </p:txBody>
+      </p:sp>
       <p:pic>
         <p:nvPicPr>
-          <p:cNvPr id="9" name="Объект 8">
+          <p:cNvPr id="5" name="Объект 13">
             <a:extLst>
               <a:ext uri="{FF2B5EF4-FFF2-40B4-BE49-F238E27FC236}">
-                <a16:creationId xmlns:a16="http://schemas.microsoft.com/office/drawing/2014/main" id="{5CB5FC35-7FE6-E949-A72F-0A2EFFDD6984}"/>
+                <a16:creationId xmlns:a16="http://schemas.microsoft.com/office/drawing/2014/main" id="{DA4800C4-883D-4471-8B54-6F4C67BC7D52}"/>
               </a:ext>
             </a:extLst>
           </p:cNvPr>
           <p:cNvPicPr>
-            <a:picLocks noGrp="1" noChangeAspect="1"/>
+            <a:picLocks noChangeAspect="1"/>
           </p:cNvPicPr>
-          <p:nvPr>
-            <p:ph sz="half" idx="1"/>
-          </p:nvPr>
+          <p:nvPr/>
         </p:nvPicPr>
         <p:blipFill>
           <a:blip r:embed="rId2"/>
@@ -4672,56 +4950,30 @@
         </p:blipFill>
         <p:spPr>
           <a:xfrm>
-            <a:off x="1507732" y="2017343"/>
-            <a:ext cx="4906039" cy="3441520"/>
+            <a:off x="6430159" y="2017713"/>
+            <a:ext cx="4624693" cy="3441700"/>
           </a:xfrm>
+          <a:prstGeom prst="rect">
+            <a:avLst/>
+          </a:prstGeom>
         </p:spPr>
       </p:pic>
-      <p:pic>
-        <p:nvPicPr>
-          <p:cNvPr id="13" name="Объект 12">
+      <p:sp>
+        <p:nvSpPr>
+          <p:cNvPr id="6" name="TextBox 5">
             <a:extLst>
               <a:ext uri="{FF2B5EF4-FFF2-40B4-BE49-F238E27FC236}">
-                <a16:creationId xmlns:a16="http://schemas.microsoft.com/office/drawing/2014/main" id="{468C77AF-BBFD-0D43-B18B-05A9A512F8FB}"/>
+                <a16:creationId xmlns:a16="http://schemas.microsoft.com/office/drawing/2014/main" id="{3673B122-E3FE-4C93-BA76-2123F28944A3}"/>
               </a:ext>
             </a:extLst>
           </p:cNvPr>
-          <p:cNvPicPr>
-            <a:picLocks noGrp="1" noChangeAspect="1"/>
-          </p:cNvPicPr>
-          <p:nvPr>
-            <p:ph sz="half" idx="2"/>
-          </p:nvPr>
-        </p:nvPicPr>
-        <p:blipFill>
-          <a:blip r:embed="rId3"/>
-          <a:stretch>
-            <a:fillRect/>
-          </a:stretch>
-        </p:blipFill>
+          <p:cNvSpPr txBox="1"/>
+          <p:nvPr/>
+        </p:nvSpPr>
         <p:spPr>
           <a:xfrm>
-            <a:off x="6583680" y="2017342"/>
-            <a:ext cx="4480560" cy="3441519"/>
-          </a:xfrm>
-        </p:spPr>
-      </p:pic>
-      <p:sp>
-        <p:nvSpPr>
-          <p:cNvPr id="5" name="Прямоугольник 4">
-            <a:extLst>
-              <a:ext uri="{FF2B5EF4-FFF2-40B4-BE49-F238E27FC236}">
-                <a16:creationId xmlns:a16="http://schemas.microsoft.com/office/drawing/2014/main" id="{5D59F88E-0CAD-5048-BCE3-ED36B46E24C8}"/>
-              </a:ext>
-            </a:extLst>
-          </p:cNvPr>
-          <p:cNvSpPr/>
-          <p:nvPr/>
-        </p:nvSpPr>
-        <p:spPr>
-          <a:xfrm>
-            <a:off x="1390921" y="936862"/>
-            <a:ext cx="5022850" cy="923330"/>
+            <a:off x="6430159" y="5612932"/>
+            <a:ext cx="4458593" cy="646331"/>
           </a:xfrm>
           <a:prstGeom prst="rect">
             <a:avLst/>
@@ -4729,94 +4981,142 @@
           <a:noFill/>
         </p:spPr>
         <p:txBody>
-          <a:bodyPr wrap="none" lIns="91440" tIns="45720" rIns="91440" bIns="45720">
+          <a:bodyPr wrap="none" rtlCol="0">
             <a:spAutoFit/>
           </a:bodyPr>
           <a:lstStyle/>
           <a:p>
-            <a:pPr algn="ctr"/>
-            <a:r>
-              <a:rPr lang="ru-RU" sz="5400" b="1" cap="none" spc="0" dirty="0">
-                <a:ln w="13462">
-                  <a:solidFill>
-                    <a:schemeClr val="bg1"/>
-                  </a:solidFill>
-                  <a:prstDash val="solid"/>
-                </a:ln>
+            <a:r>
+              <a:rPr lang="ru-RU" b="1" dirty="0"/>
+              <a:t>Второе поколение ЭВМ (1959 — 1967 гг.)</a:t>
+            </a:r>
+          </a:p>
+          <a:p>
+            <a:endParaRPr lang="ru-RU" dirty="0"/>
+          </a:p>
+        </p:txBody>
+      </p:sp>
+      <p:sp>
+        <p:nvSpPr>
+          <p:cNvPr id="7" name="Заголовок 6">
+            <a:extLst>
+              <a:ext uri="{FF2B5EF4-FFF2-40B4-BE49-F238E27FC236}">
+                <a16:creationId xmlns:a16="http://schemas.microsoft.com/office/drawing/2014/main" id="{AD207917-FC20-4366-A84D-B8D83667EDE9}"/>
+              </a:ext>
+            </a:extLst>
+          </p:cNvPr>
+          <p:cNvSpPr txBox="1">
+            <a:spLocks/>
+          </p:cNvSpPr>
+          <p:nvPr/>
+        </p:nvSpPr>
+        <p:spPr>
+          <a:xfrm>
+            <a:off x="1447331" y="773718"/>
+            <a:ext cx="9605635" cy="1059305"/>
+          </a:xfrm>
+          <a:prstGeom prst="rect">
+            <a:avLst/>
+          </a:prstGeom>
+        </p:spPr>
+        <p:txBody>
+          <a:bodyPr vert="horz" lIns="91440" tIns="45720" rIns="91440" bIns="45720" rtlCol="0" anchor="t">
+            <a:normAutofit/>
+          </a:bodyPr>
+          <a:lstStyle>
+            <a:lvl1pPr algn="l" defTabSz="914400" rtl="0" eaLnBrk="1" latinLnBrk="0" hangingPunct="1">
+              <a:lnSpc>
+                <a:spcPct val="90000"/>
+              </a:lnSpc>
+              <a:spcBef>
+                <a:spcPct val="0"/>
+              </a:spcBef>
+              <a:buNone/>
+              <a:defRPr sz="3200" b="0" i="0" kern="1200" cap="all">
                 <a:solidFill>
-                  <a:schemeClr val="tx1">
-                    <a:lumMod val="85000"/>
-                    <a:lumOff val="15000"/>
-                  </a:schemeClr>
+                  <a:schemeClr val="tx1"/>
+                </a:solidFill>
+                <a:effectLst/>
+                <a:latin typeface="+mj-lt"/>
+                <a:ea typeface="+mj-ea"/>
+                <a:cs typeface="+mj-cs"/>
+              </a:defRPr>
+            </a:lvl1pPr>
+          </a:lstStyle>
+          <a:p>
+            <a:r>
+              <a:rPr lang="ru-RU" cap="none" dirty="0">
+                <a:ln w="0"/>
+                <a:solidFill>
+                  <a:schemeClr val="accent1"/>
                 </a:solidFill>
                 <a:effectLst>
-                  <a:outerShdw dist="38100" dir="2700000" algn="bl" rotWithShape="0">
-                    <a:schemeClr val="accent5"/>
+                  <a:outerShdw blurRad="38100" dist="25400" dir="5400000" algn="ctr" rotWithShape="0">
+                    <a:srgbClr val="6E747A">
+                      <a:alpha val="43000"/>
+                    </a:srgbClr>
                   </a:outerShdw>
                 </a:effectLst>
               </a:rPr>
               <a:t>Поколения </a:t>
             </a:r>
             <a:r>
-              <a:rPr lang="ru-RU" sz="5400" b="1" cap="none" spc="0" dirty="0" err="1">
-                <a:ln w="13462">
-                  <a:solidFill>
-                    <a:schemeClr val="bg1"/>
-                  </a:solidFill>
-                  <a:prstDash val="solid"/>
-                </a:ln>
+              <a:rPr lang="ru-RU" cap="none" dirty="0" err="1">
+                <a:ln w="0"/>
                 <a:solidFill>
-                  <a:schemeClr val="tx1">
-                    <a:lumMod val="85000"/>
-                    <a:lumOff val="15000"/>
-                  </a:schemeClr>
+                  <a:schemeClr val="accent1"/>
                 </a:solidFill>
                 <a:effectLst>
-                  <a:outerShdw dist="38100" dir="2700000" algn="bl" rotWithShape="0">
-                    <a:schemeClr val="accent5"/>
+                  <a:outerShdw blurRad="38100" dist="25400" dir="5400000" algn="ctr" rotWithShape="0">
+                    <a:srgbClr val="6E747A">
+                      <a:alpha val="43000"/>
+                    </a:srgbClr>
                   </a:outerShdw>
                 </a:effectLst>
               </a:rPr>
               <a:t>эвм</a:t>
             </a:r>
             <a:r>
-              <a:rPr lang="en-US" sz="5400" b="1" cap="none" spc="0" dirty="0">
-                <a:ln w="13462">
-                  <a:solidFill>
-                    <a:schemeClr val="bg1"/>
-                  </a:solidFill>
-                  <a:prstDash val="solid"/>
-                </a:ln>
+              <a:rPr lang="en-US" cap="none" dirty="0">
+                <a:ln w="0"/>
                 <a:solidFill>
-                  <a:schemeClr val="tx1">
-                    <a:lumMod val="85000"/>
-                    <a:lumOff val="15000"/>
-                  </a:schemeClr>
+                  <a:schemeClr val="accent1"/>
                 </a:solidFill>
                 <a:effectLst>
-                  <a:outerShdw dist="38100" dir="2700000" algn="bl" rotWithShape="0">
-                    <a:schemeClr val="accent5"/>
+                  <a:outerShdw blurRad="38100" dist="25400" dir="5400000" algn="ctr" rotWithShape="0">
+                    <a:srgbClr val="6E747A">
+                      <a:alpha val="43000"/>
+                    </a:srgbClr>
                   </a:outerShdw>
                 </a:effectLst>
               </a:rPr>
               <a:t>:</a:t>
             </a:r>
-            <a:endParaRPr lang="ru-RU" sz="5400" b="1" cap="none" spc="0" dirty="0">
-              <a:ln w="13462">
+            <a:br>
+              <a:rPr lang="ru-RU" cap="none" dirty="0">
+                <a:ln w="0"/>
                 <a:solidFill>
-                  <a:schemeClr val="bg1"/>
+                  <a:schemeClr val="accent1"/>
                 </a:solidFill>
-                <a:prstDash val="solid"/>
-              </a:ln>
+                <a:effectLst>
+                  <a:outerShdw blurRad="38100" dist="25400" dir="5400000" algn="ctr" rotWithShape="0">
+                    <a:srgbClr val="6E747A">
+                      <a:alpha val="43000"/>
+                    </a:srgbClr>
+                  </a:outerShdw>
+                </a:effectLst>
+              </a:rPr>
+            </a:br>
+            <a:endParaRPr lang="ru-RU" cap="none" dirty="0">
+              <a:ln w="0"/>
               <a:solidFill>
-                <a:schemeClr val="tx1">
-                  <a:lumMod val="85000"/>
-                  <a:lumOff val="15000"/>
-                </a:schemeClr>
+                <a:schemeClr val="accent1"/>
               </a:solidFill>
               <a:effectLst>
-                <a:outerShdw dist="38100" dir="2700000" algn="bl" rotWithShape="0">
-                  <a:schemeClr val="accent5"/>
+                <a:outerShdw blurRad="38100" dist="25400" dir="5400000" algn="ctr" rotWithShape="0">
+                  <a:srgbClr val="6E747A">
+                    <a:alpha val="43000"/>
+                  </a:srgbClr>
                 </a:outerShdw>
               </a:effectLst>
             </a:endParaRPr>
@@ -4825,10 +5125,10 @@
       </p:sp>
       <p:sp>
         <p:nvSpPr>
-          <p:cNvPr id="10" name="TextBox 9">
+          <p:cNvPr id="8" name="TextBox 7">
             <a:extLst>
               <a:ext uri="{FF2B5EF4-FFF2-40B4-BE49-F238E27FC236}">
-                <a16:creationId xmlns:a16="http://schemas.microsoft.com/office/drawing/2014/main" id="{34CF503F-3D99-0C4F-B600-2CFCEA1F7FB1}"/>
+                <a16:creationId xmlns:a16="http://schemas.microsoft.com/office/drawing/2014/main" id="{35780036-09F2-48F8-9EEE-EABF442A9360}"/>
               </a:ext>
             </a:extLst>
           </p:cNvPr>
@@ -4837,8 +5137,8 @@
         </p:nvSpPr>
         <p:spPr>
           <a:xfrm>
-            <a:off x="1750049" y="5616014"/>
-            <a:ext cx="4421403" cy="646331"/>
+            <a:off x="1369132" y="1537033"/>
+            <a:ext cx="2854371" cy="369332"/>
           </a:xfrm>
           <a:prstGeom prst="rect">
             <a:avLst/>
@@ -4853,65 +5153,285 @@
           <a:p>
             <a:r>
               <a:rPr lang="ru-RU" b="1" dirty="0"/>
-              <a:t>Третье поколение ЭВМ (1968 — 1973 гг.)</a:t>
-            </a:r>
-          </a:p>
-          <a:p>
-            <a:endParaRPr lang="ru-RU" dirty="0"/>
-          </a:p>
-        </p:txBody>
-      </p:sp>
-      <p:sp>
-        <p:nvSpPr>
-          <p:cNvPr id="11" name="TextBox 10">
+              <a:t>ВТОРОЕ ПОКОЛЕНИЕ ЭВМ</a:t>
+            </a:r>
+            <a:r>
+              <a:rPr lang="en-US" b="1" dirty="0"/>
+              <a:t>:</a:t>
+            </a:r>
+            <a:endParaRPr lang="ru-RU" b="1" dirty="0"/>
+          </a:p>
+        </p:txBody>
+      </p:sp>
+      <p:sp>
+        <p:nvSpPr>
+          <p:cNvPr id="9" name="Объект 3">
             <a:extLst>
               <a:ext uri="{FF2B5EF4-FFF2-40B4-BE49-F238E27FC236}">
-                <a16:creationId xmlns:a16="http://schemas.microsoft.com/office/drawing/2014/main" id="{C1F749D0-9EB1-B845-AE65-35B215EBBD8F}"/>
+                <a16:creationId xmlns:a16="http://schemas.microsoft.com/office/drawing/2014/main" id="{102EB229-5818-4E5B-BB83-4316C77AC1B1}"/>
               </a:ext>
             </a:extLst>
           </p:cNvPr>
-          <p:cNvSpPr txBox="1"/>
+          <p:cNvSpPr txBox="1">
+            <a:spLocks/>
+          </p:cNvSpPr>
           <p:nvPr/>
         </p:nvSpPr>
         <p:spPr>
           <a:xfrm>
-            <a:off x="6413771" y="5616014"/>
-            <a:ext cx="4775666" cy="646331"/>
+            <a:off x="1369132" y="1919113"/>
+            <a:ext cx="4830649" cy="4424427"/>
           </a:xfrm>
           <a:prstGeom prst="rect">
             <a:avLst/>
           </a:prstGeom>
-          <a:noFill/>
         </p:spPr>
         <p:txBody>
-          <a:bodyPr wrap="none" rtlCol="0">
-            <a:spAutoFit/>
+          <a:bodyPr vert="horz" lIns="91440" tIns="45720" rIns="91440" bIns="45720" rtlCol="0">
+            <a:normAutofit fontScale="25000" lnSpcReduction="20000"/>
           </a:bodyPr>
-          <a:lstStyle/>
-          <a:p>
-            <a:r>
-              <a:rPr lang="ru-RU" b="1" dirty="0"/>
-              <a:t>Четвертое поколение ЭВМ (1974 — 1982 гг.)</a:t>
-            </a:r>
-          </a:p>
-          <a:p>
-            <a:endParaRPr lang="ru-RU" dirty="0"/>
+          <a:lstStyle>
+            <a:lvl1pPr marL="228600" indent="-228600" algn="l" defTabSz="914400" rtl="0" eaLnBrk="1" latinLnBrk="0" hangingPunct="1">
+              <a:lnSpc>
+                <a:spcPct val="120000"/>
+              </a:lnSpc>
+              <a:spcBef>
+                <a:spcPts val="1000"/>
+              </a:spcBef>
+              <a:buClr>
+                <a:schemeClr val="accent1"/>
+              </a:buClr>
+              <a:buSzPct val="100000"/>
+              <a:buFont typeface="Arial" panose="020B0604020202020204" pitchFamily="34" charset="0"/>
+              <a:buChar char="•"/>
+              <a:defRPr sz="2000" kern="1200">
+                <a:solidFill>
+                  <a:schemeClr val="tx1"/>
+                </a:solidFill>
+                <a:effectLst/>
+                <a:latin typeface="+mn-lt"/>
+                <a:ea typeface="+mn-ea"/>
+                <a:cs typeface="+mn-cs"/>
+              </a:defRPr>
+            </a:lvl1pPr>
+            <a:lvl2pPr marL="685800" indent="-228600" algn="l" defTabSz="914400" rtl="0" eaLnBrk="1" latinLnBrk="0" hangingPunct="1">
+              <a:lnSpc>
+                <a:spcPct val="120000"/>
+              </a:lnSpc>
+              <a:spcBef>
+                <a:spcPts val="500"/>
+              </a:spcBef>
+              <a:buClr>
+                <a:schemeClr val="accent1"/>
+              </a:buClr>
+              <a:buSzPct val="100000"/>
+              <a:buFont typeface="Arial" panose="020B0604020202020204" pitchFamily="34" charset="0"/>
+              <a:buChar char="•"/>
+              <a:defRPr sz="1800" kern="1200" cap="none" baseline="0">
+                <a:solidFill>
+                  <a:schemeClr val="tx1"/>
+                </a:solidFill>
+                <a:effectLst/>
+                <a:latin typeface="+mn-lt"/>
+                <a:ea typeface="+mn-ea"/>
+                <a:cs typeface="+mn-cs"/>
+              </a:defRPr>
+            </a:lvl2pPr>
+            <a:lvl3pPr marL="1143000" indent="-228600" algn="l" defTabSz="914400" rtl="0" eaLnBrk="1" latinLnBrk="0" hangingPunct="1">
+              <a:lnSpc>
+                <a:spcPct val="120000"/>
+              </a:lnSpc>
+              <a:spcBef>
+                <a:spcPts val="500"/>
+              </a:spcBef>
+              <a:buClr>
+                <a:schemeClr val="accent1"/>
+              </a:buClr>
+              <a:buSzPct val="100000"/>
+              <a:buFont typeface="Arial" panose="020B0604020202020204" pitchFamily="34" charset="0"/>
+              <a:buChar char="•"/>
+              <a:defRPr sz="1600" kern="1200">
+                <a:solidFill>
+                  <a:schemeClr val="tx1"/>
+                </a:solidFill>
+                <a:effectLst/>
+                <a:latin typeface="+mn-lt"/>
+                <a:ea typeface="+mn-ea"/>
+                <a:cs typeface="+mn-cs"/>
+              </a:defRPr>
+            </a:lvl3pPr>
+            <a:lvl4pPr marL="1600200" indent="-228600" algn="l" defTabSz="914400" rtl="0" eaLnBrk="1" latinLnBrk="0" hangingPunct="1">
+              <a:lnSpc>
+                <a:spcPct val="120000"/>
+              </a:lnSpc>
+              <a:spcBef>
+                <a:spcPts val="500"/>
+              </a:spcBef>
+              <a:buClr>
+                <a:schemeClr val="accent1"/>
+              </a:buClr>
+              <a:buSzPct val="100000"/>
+              <a:buFont typeface="Arial" panose="020B0604020202020204" pitchFamily="34" charset="0"/>
+              <a:buChar char="•"/>
+              <a:defRPr sz="1400" kern="1200" cap="none" baseline="0">
+                <a:solidFill>
+                  <a:schemeClr val="tx1"/>
+                </a:solidFill>
+                <a:effectLst/>
+                <a:latin typeface="+mn-lt"/>
+                <a:ea typeface="+mn-ea"/>
+                <a:cs typeface="+mn-cs"/>
+              </a:defRPr>
+            </a:lvl4pPr>
+            <a:lvl5pPr marL="2057400" indent="-228600" algn="l" defTabSz="914400" rtl="0" eaLnBrk="1" latinLnBrk="0" hangingPunct="1">
+              <a:lnSpc>
+                <a:spcPct val="120000"/>
+              </a:lnSpc>
+              <a:spcBef>
+                <a:spcPts val="500"/>
+              </a:spcBef>
+              <a:buClr>
+                <a:schemeClr val="accent1"/>
+              </a:buClr>
+              <a:buSzPct val="100000"/>
+              <a:buFont typeface="Arial" panose="020B0604020202020204" pitchFamily="34" charset="0"/>
+              <a:buChar char="•"/>
+              <a:defRPr sz="1200" kern="1200">
+                <a:solidFill>
+                  <a:schemeClr val="tx1"/>
+                </a:solidFill>
+                <a:effectLst/>
+                <a:latin typeface="+mn-lt"/>
+                <a:ea typeface="+mn-ea"/>
+                <a:cs typeface="+mn-cs"/>
+              </a:defRPr>
+            </a:lvl5pPr>
+            <a:lvl6pPr marL="2514600" indent="-228600" algn="l" defTabSz="914400" rtl="0" eaLnBrk="1" latinLnBrk="0" hangingPunct="1">
+              <a:lnSpc>
+                <a:spcPct val="120000"/>
+              </a:lnSpc>
+              <a:spcBef>
+                <a:spcPts val="500"/>
+              </a:spcBef>
+              <a:buClr>
+                <a:schemeClr val="accent1"/>
+              </a:buClr>
+              <a:buSzPct val="100000"/>
+              <a:buFont typeface="Arial" panose="020B0604020202020204" pitchFamily="34" charset="0"/>
+              <a:buChar char="•"/>
+              <a:defRPr sz="1200" kern="1200">
+                <a:solidFill>
+                  <a:schemeClr val="tx1"/>
+                </a:solidFill>
+                <a:effectLst/>
+                <a:latin typeface="+mn-lt"/>
+                <a:ea typeface="+mn-ea"/>
+                <a:cs typeface="+mn-cs"/>
+              </a:defRPr>
+            </a:lvl6pPr>
+            <a:lvl7pPr marL="2971800" indent="-228600" algn="l" defTabSz="914400" rtl="0" eaLnBrk="1" latinLnBrk="0" hangingPunct="1">
+              <a:lnSpc>
+                <a:spcPct val="120000"/>
+              </a:lnSpc>
+              <a:spcBef>
+                <a:spcPts val="500"/>
+              </a:spcBef>
+              <a:buClr>
+                <a:schemeClr val="accent1"/>
+              </a:buClr>
+              <a:buSzPct val="100000"/>
+              <a:buFont typeface="Arial" panose="020B0604020202020204" pitchFamily="34" charset="0"/>
+              <a:buChar char="•"/>
+              <a:defRPr sz="1200" kern="1200">
+                <a:solidFill>
+                  <a:schemeClr val="tx1"/>
+                </a:solidFill>
+                <a:effectLst/>
+                <a:latin typeface="+mn-lt"/>
+                <a:ea typeface="+mn-ea"/>
+                <a:cs typeface="+mn-cs"/>
+              </a:defRPr>
+            </a:lvl7pPr>
+            <a:lvl8pPr marL="3429000" indent="-228600" algn="l" defTabSz="914400" rtl="0" eaLnBrk="1" latinLnBrk="0" hangingPunct="1">
+              <a:lnSpc>
+                <a:spcPct val="120000"/>
+              </a:lnSpc>
+              <a:spcBef>
+                <a:spcPts val="500"/>
+              </a:spcBef>
+              <a:buClr>
+                <a:schemeClr val="accent1"/>
+              </a:buClr>
+              <a:buSzPct val="100000"/>
+              <a:buFont typeface="Arial" panose="020B0604020202020204" pitchFamily="34" charset="0"/>
+              <a:buChar char="•"/>
+              <a:defRPr sz="1200" kern="1200" baseline="0">
+                <a:solidFill>
+                  <a:schemeClr val="tx1"/>
+                </a:solidFill>
+                <a:effectLst/>
+                <a:latin typeface="+mn-lt"/>
+                <a:ea typeface="+mn-ea"/>
+                <a:cs typeface="+mn-cs"/>
+              </a:defRPr>
+            </a:lvl8pPr>
+            <a:lvl9pPr marL="3886200" indent="-228600" algn="l" defTabSz="914400" rtl="0" eaLnBrk="1" latinLnBrk="0" hangingPunct="1">
+              <a:lnSpc>
+                <a:spcPct val="120000"/>
+              </a:lnSpc>
+              <a:spcBef>
+                <a:spcPts val="500"/>
+              </a:spcBef>
+              <a:buClr>
+                <a:schemeClr val="accent1"/>
+              </a:buClr>
+              <a:buSzPct val="100000"/>
+              <a:buFont typeface="Arial" panose="020B0604020202020204" pitchFamily="34" charset="0"/>
+              <a:buChar char="•"/>
+              <a:defRPr sz="1200" kern="1200" baseline="0">
+                <a:solidFill>
+                  <a:schemeClr val="tx1"/>
+                </a:solidFill>
+                <a:effectLst/>
+                <a:latin typeface="+mn-lt"/>
+                <a:ea typeface="+mn-ea"/>
+                <a:cs typeface="+mn-cs"/>
+              </a:defRPr>
+            </a:lvl9pPr>
+          </a:lstStyle>
+          <a:p>
+            <a:r>
+              <a:rPr lang="ru-RU" sz="6000"/>
+              <a:t>Второе поколение ЭВМ создавалось в период с 1955 по 1964 года. На самом деле, четко ограничивать рамки поколений сложно, так как в одно и то же время выпускались ЭВМ, относящиеся к разным поколениям, да и сам переход от поколения к поколению был не резким, а постепенным. Вначале заменялись одни элементы ЭВМ, затем – другие, и так, постепенно, за несколько лет, осуществлялся переход.</a:t>
+            </a:r>
+          </a:p>
+          <a:p>
+            <a:r>
+              <a:rPr lang="ru-RU" sz="6000"/>
+              <a:t>Переход на новую элементную базу оказался неизбежным, так как рост производительности и надежность ЭВМ первого поколения достигли своего максимума. Основные причины, приведшие к необходимости замены электронных ламп, были следующими:</a:t>
+            </a:r>
+          </a:p>
+          <a:p>
+            <a:pPr marL="0" indent="0">
+              <a:buFont typeface="Arial" panose="020B0604020202020204" pitchFamily="34" charset="0"/>
+              <a:buNone/>
+            </a:pPr>
+            <a:endParaRPr lang="ru-RU" dirty="0">
+              <a:latin typeface="Times" pitchFamily="2" charset="0"/>
+            </a:endParaRPr>
           </a:p>
         </p:txBody>
       </p:sp>
     </p:spTree>
     <p:extLst>
       <p:ext uri="{BB962C8B-B14F-4D97-AF65-F5344CB8AC3E}">
-        <p14:creationId xmlns:p14="http://schemas.microsoft.com/office/powerpoint/2010/main" val="3929495678"/>
+        <p14:creationId xmlns:p14="http://schemas.microsoft.com/office/powerpoint/2010/main" val="3609821283"/>
       </p:ext>
     </p:extLst>
   </p:cSld>
   <p:clrMapOvr>
     <a:masterClrMapping/>
   </p:clrMapOvr>
-  <p:transition spd="slow">
-    <p:push dir="u"/>
-  </p:transition>
 </p:sld>
 </file>
 
@@ -4932,114 +5452,41 @@
           <a:chExt cx="0" cy="0"/>
         </a:xfrm>
       </p:grpSpPr>
-      <p:sp>
-        <p:nvSpPr>
-          <p:cNvPr id="3" name="Объект 2">
+      <p:pic>
+        <p:nvPicPr>
+          <p:cNvPr id="9" name="Объект 8">
             <a:extLst>
               <a:ext uri="{FF2B5EF4-FFF2-40B4-BE49-F238E27FC236}">
-                <a16:creationId xmlns:a16="http://schemas.microsoft.com/office/drawing/2014/main" id="{0EC81DFA-13C6-3549-84BB-17528FDAEB4D}"/>
+                <a16:creationId xmlns:a16="http://schemas.microsoft.com/office/drawing/2014/main" id="{5CB5FC35-7FE6-E949-A72F-0A2EFFDD6984}"/>
               </a:ext>
             </a:extLst>
           </p:cNvPr>
-          <p:cNvSpPr>
-            <a:spLocks noGrp="1"/>
-          </p:cNvSpPr>
+          <p:cNvPicPr>
+            <a:picLocks noGrp="1" noChangeAspect="1"/>
+          </p:cNvPicPr>
           <p:nvPr>
             <p:ph sz="half" idx="1"/>
           </p:nvPr>
-        </p:nvSpPr>
+        </p:nvPicPr>
+        <p:blipFill>
+          <a:blip r:embed="rId2"/>
+          <a:stretch>
+            <a:fillRect/>
+          </a:stretch>
+        </p:blipFill>
         <p:spPr>
           <a:xfrm>
-            <a:off x="1265351" y="1882406"/>
-            <a:ext cx="4577608" cy="5520905"/>
+            <a:off x="6413771" y="2017343"/>
+            <a:ext cx="4906039" cy="3441520"/>
           </a:xfrm>
         </p:spPr>
-        <p:txBody>
-          <a:bodyPr>
-            <a:normAutofit fontScale="25000" lnSpcReduction="20000"/>
-          </a:bodyPr>
-          <a:lstStyle/>
-          <a:p>
-            <a:r>
-              <a:rPr lang="ru-RU" sz="6000" dirty="0"/>
-              <a:t>Первое поколение ЭВМ создавалось на электронных лампах в период с 1944 по 1954 гг. </a:t>
-            </a:r>
-          </a:p>
-          <a:p>
-            <a:r>
-              <a:rPr lang="ru-RU" sz="6000" dirty="0"/>
-              <a:t>Электронная лампа – это прибор, работа которого осуществляется за счет изменения потока электронов, двигающихся в вакууме от катода к аноду.</a:t>
-            </a:r>
-          </a:p>
-          <a:p>
-            <a:r>
-              <a:rPr lang="ru-RU" sz="6000" dirty="0"/>
-              <a:t>Движение электронов происходит за счет термоэлектронной эмиссии – испускания электронов с поверхности нагретых металлов. Дело в том, что металлы обладают большой концентрацией свободных электронов, обладающих различной энергией, а, следовательно, и скоростями движения. По мере нагревания металла энергия электронов возрастает, и некоторые из них преодолевают потенциальный барьер на границе металла.</a:t>
-            </a:r>
-          </a:p>
-          <a:p>
-            <a:pPr marL="0" indent="0">
-              <a:buNone/>
-            </a:pPr>
-            <a:endParaRPr lang="ru-RU" b="1" dirty="0"/>
-          </a:p>
-        </p:txBody>
-      </p:sp>
-      <p:sp>
-        <p:nvSpPr>
-          <p:cNvPr id="4" name="Объект 3">
+      </p:pic>
+      <p:sp>
+        <p:nvSpPr>
+          <p:cNvPr id="10" name="TextBox 9">
             <a:extLst>
               <a:ext uri="{FF2B5EF4-FFF2-40B4-BE49-F238E27FC236}">
-                <a16:creationId xmlns:a16="http://schemas.microsoft.com/office/drawing/2014/main" id="{B6B947B0-14F9-B741-9615-F2CFCE5FB9C5}"/>
-              </a:ext>
-            </a:extLst>
-          </p:cNvPr>
-          <p:cNvSpPr>
-            <a:spLocks noGrp="1"/>
-          </p:cNvSpPr>
-          <p:nvPr>
-            <p:ph sz="half" idx="2"/>
-          </p:nvPr>
-        </p:nvSpPr>
-        <p:spPr>
-          <a:xfrm>
-            <a:off x="6096000" y="1976373"/>
-            <a:ext cx="4830649" cy="4424427"/>
-          </a:xfrm>
-        </p:spPr>
-        <p:txBody>
-          <a:bodyPr>
-            <a:normAutofit fontScale="25000" lnSpcReduction="20000"/>
-          </a:bodyPr>
-          <a:lstStyle/>
-          <a:p>
-            <a:r>
-              <a:rPr lang="ru-RU" sz="6000" dirty="0"/>
-              <a:t>Второе поколение ЭВМ создавалось в период с 1955 по 1964 года. На самом деле, четко ограничивать рамки поколений сложно, так как в одно и то же время выпускались ЭВМ, относящиеся к разным поколениям, да и сам переход от поколения к поколению был не резким, а постепенным. Вначале заменялись одни элементы ЭВМ, затем – другие, и так, постепенно, за несколько лет, осуществлялся переход.</a:t>
-            </a:r>
-          </a:p>
-          <a:p>
-            <a:r>
-              <a:rPr lang="ru-RU" sz="6000" dirty="0"/>
-              <a:t>Переход на новую элементную базу оказался неизбежным, так как рост производительности и надежность ЭВМ первого поколения достигли своего максимума. Основные причины, приведшие к необходимости замены электронных ламп, были следующими:</a:t>
-            </a:r>
-          </a:p>
-          <a:p>
-            <a:pPr marL="0" indent="0">
-              <a:buNone/>
-            </a:pPr>
-            <a:endParaRPr lang="ru-RU" dirty="0">
-              <a:latin typeface="Times" pitchFamily="2" charset="0"/>
-            </a:endParaRPr>
-          </a:p>
-        </p:txBody>
-      </p:sp>
-      <p:sp>
-        <p:nvSpPr>
-          <p:cNvPr id="5" name="TextBox 4">
-            <a:extLst>
-              <a:ext uri="{FF2B5EF4-FFF2-40B4-BE49-F238E27FC236}">
-                <a16:creationId xmlns:a16="http://schemas.microsoft.com/office/drawing/2014/main" id="{0D70B061-766E-8D4A-94FF-43E259D6555E}"/>
+                <a16:creationId xmlns:a16="http://schemas.microsoft.com/office/drawing/2014/main" id="{34CF503F-3D99-0C4F-B600-2CFCEA1F7FB1}"/>
               </a:ext>
             </a:extLst>
           </p:cNvPr>
@@ -5048,8 +5495,8 @@
         </p:nvSpPr>
         <p:spPr>
           <a:xfrm>
-            <a:off x="2035835" y="1173193"/>
-            <a:ext cx="2852960" cy="369332"/>
+            <a:off x="6525645" y="5616014"/>
+            <a:ext cx="4421403" cy="646331"/>
           </a:xfrm>
           <a:prstGeom prst="rect">
             <a:avLst/>
@@ -5064,22 +5511,150 @@
           <a:p>
             <a:r>
               <a:rPr lang="ru-RU" b="1" dirty="0"/>
-              <a:t>ПЕРВОЕ ПОКОЛЕНИЕ ЭВМ</a:t>
-            </a:r>
-            <a:r>
-              <a:rPr lang="en-US" b="1" dirty="0"/>
-              <a:t>:</a:t>
-            </a:r>
-            <a:endParaRPr lang="ru-RU" b="1" dirty="0"/>
-          </a:p>
-        </p:txBody>
-      </p:sp>
-      <p:sp>
-        <p:nvSpPr>
-          <p:cNvPr id="6" name="TextBox 5">
+              <a:t>Третье поколение ЭВМ (1968 — 1973 гг.)</a:t>
+            </a:r>
+          </a:p>
+          <a:p>
+            <a:endParaRPr lang="ru-RU" dirty="0"/>
+          </a:p>
+        </p:txBody>
+      </p:sp>
+      <p:sp>
+        <p:nvSpPr>
+          <p:cNvPr id="2" name="Объект 1">
             <a:extLst>
               <a:ext uri="{FF2B5EF4-FFF2-40B4-BE49-F238E27FC236}">
-                <a16:creationId xmlns:a16="http://schemas.microsoft.com/office/drawing/2014/main" id="{FC9E03E7-6494-0A48-A3CF-B021D863556C}"/>
+                <a16:creationId xmlns:a16="http://schemas.microsoft.com/office/drawing/2014/main" id="{333883EB-0DA1-4F62-8514-BEDCC2803630}"/>
+              </a:ext>
+            </a:extLst>
+          </p:cNvPr>
+          <p:cNvSpPr>
+            <a:spLocks noGrp="1"/>
+          </p:cNvSpPr>
+          <p:nvPr>
+            <p:ph sz="half" idx="2"/>
+          </p:nvPr>
+        </p:nvSpPr>
+        <p:spPr/>
+        <p:txBody>
+          <a:bodyPr/>
+          <a:lstStyle/>
+          <a:p>
+            <a:endParaRPr lang="ru-RU"/>
+          </a:p>
+        </p:txBody>
+      </p:sp>
+      <p:sp>
+        <p:nvSpPr>
+          <p:cNvPr id="8" name="Заголовок 6">
+            <a:extLst>
+              <a:ext uri="{FF2B5EF4-FFF2-40B4-BE49-F238E27FC236}">
+                <a16:creationId xmlns:a16="http://schemas.microsoft.com/office/drawing/2014/main" id="{B4357855-899E-4639-8462-55EE72A9DAE4}"/>
+              </a:ext>
+            </a:extLst>
+          </p:cNvPr>
+          <p:cNvSpPr>
+            <a:spLocks noGrp="1"/>
+          </p:cNvSpPr>
+          <p:nvPr>
+            <p:ph type="title"/>
+          </p:nvPr>
+        </p:nvSpPr>
+        <p:spPr>
+          <a:xfrm>
+            <a:off x="1449217" y="804889"/>
+            <a:ext cx="9605635" cy="1059305"/>
+          </a:xfrm>
+        </p:spPr>
+        <p:txBody>
+          <a:bodyPr/>
+          <a:lstStyle/>
+          <a:p>
+            <a:r>
+              <a:rPr lang="ru-RU" cap="none" dirty="0">
+                <a:ln w="0"/>
+                <a:solidFill>
+                  <a:schemeClr val="accent1"/>
+                </a:solidFill>
+                <a:effectLst>
+                  <a:outerShdw blurRad="38100" dist="25400" dir="5400000" algn="ctr" rotWithShape="0">
+                    <a:srgbClr val="6E747A">
+                      <a:alpha val="43000"/>
+                    </a:srgbClr>
+                  </a:outerShdw>
+                </a:effectLst>
+              </a:rPr>
+              <a:t>Поколения </a:t>
+            </a:r>
+            <a:r>
+              <a:rPr lang="ru-RU" cap="none" dirty="0" err="1">
+                <a:ln w="0"/>
+                <a:solidFill>
+                  <a:schemeClr val="accent1"/>
+                </a:solidFill>
+                <a:effectLst>
+                  <a:outerShdw blurRad="38100" dist="25400" dir="5400000" algn="ctr" rotWithShape="0">
+                    <a:srgbClr val="6E747A">
+                      <a:alpha val="43000"/>
+                    </a:srgbClr>
+                  </a:outerShdw>
+                </a:effectLst>
+              </a:rPr>
+              <a:t>эвм</a:t>
+            </a:r>
+            <a:r>
+              <a:rPr lang="en-US" cap="none" dirty="0">
+                <a:ln w="0"/>
+                <a:solidFill>
+                  <a:schemeClr val="accent1"/>
+                </a:solidFill>
+                <a:effectLst>
+                  <a:outerShdw blurRad="38100" dist="25400" dir="5400000" algn="ctr" rotWithShape="0">
+                    <a:srgbClr val="6E747A">
+                      <a:alpha val="43000"/>
+                    </a:srgbClr>
+                  </a:outerShdw>
+                </a:effectLst>
+              </a:rPr>
+              <a:t>:</a:t>
+            </a:r>
+            <a:br>
+              <a:rPr lang="ru-RU" cap="none" dirty="0">
+                <a:ln w="0"/>
+                <a:solidFill>
+                  <a:schemeClr val="accent1"/>
+                </a:solidFill>
+                <a:effectLst>
+                  <a:outerShdw blurRad="38100" dist="25400" dir="5400000" algn="ctr" rotWithShape="0">
+                    <a:srgbClr val="6E747A">
+                      <a:alpha val="43000"/>
+                    </a:srgbClr>
+                  </a:outerShdw>
+                </a:effectLst>
+              </a:rPr>
+            </a:br>
+            <a:endParaRPr lang="ru-RU" cap="none" dirty="0">
+              <a:ln w="0"/>
+              <a:solidFill>
+                <a:schemeClr val="accent1"/>
+              </a:solidFill>
+              <a:effectLst>
+                <a:outerShdw blurRad="38100" dist="25400" dir="5400000" algn="ctr" rotWithShape="0">
+                  <a:srgbClr val="6E747A">
+                    <a:alpha val="43000"/>
+                  </a:srgbClr>
+                </a:outerShdw>
+              </a:effectLst>
+            </a:endParaRPr>
+          </a:p>
+        </p:txBody>
+      </p:sp>
+      <p:sp>
+        <p:nvSpPr>
+          <p:cNvPr id="12" name="TextBox 11">
+            <a:extLst>
+              <a:ext uri="{FF2B5EF4-FFF2-40B4-BE49-F238E27FC236}">
+                <a16:creationId xmlns:a16="http://schemas.microsoft.com/office/drawing/2014/main" id="{DC89367D-C0B0-4A01-9009-67C43B54F19B}"/>
               </a:ext>
             </a:extLst>
           </p:cNvPr>
@@ -5088,8 +5663,8 @@
         </p:nvSpPr>
         <p:spPr>
           <a:xfrm>
-            <a:off x="7303207" y="1173193"/>
-            <a:ext cx="2854371" cy="369332"/>
+            <a:off x="1449218" y="1500996"/>
+            <a:ext cx="3994838" cy="369332"/>
           </a:xfrm>
           <a:prstGeom prst="rect">
             <a:avLst/>
@@ -5097,36 +5672,293 @@
           <a:noFill/>
         </p:spPr>
         <p:txBody>
-          <a:bodyPr wrap="none" rtlCol="0">
+          <a:bodyPr wrap="square" rtlCol="0">
             <a:spAutoFit/>
           </a:bodyPr>
           <a:lstStyle/>
           <a:p>
             <a:r>
               <a:rPr lang="ru-RU" b="1" dirty="0"/>
-              <a:t>ВТОРОЕ ПОКОЛЕНИЕ ЭВМ</a:t>
+              <a:t>ТРЕТЬЕ ПОКОЛЕНИЕ ЭВМ</a:t>
             </a:r>
             <a:r>
               <a:rPr lang="en-US" b="1" dirty="0"/>
               <a:t>:</a:t>
             </a:r>
             <a:endParaRPr lang="ru-RU" b="1" dirty="0"/>
+          </a:p>
+        </p:txBody>
+      </p:sp>
+      <p:sp>
+        <p:nvSpPr>
+          <p:cNvPr id="14" name="Объект 2">
+            <a:extLst>
+              <a:ext uri="{FF2B5EF4-FFF2-40B4-BE49-F238E27FC236}">
+                <a16:creationId xmlns:a16="http://schemas.microsoft.com/office/drawing/2014/main" id="{39C59B71-628D-44C7-93B5-583049D40377}"/>
+              </a:ext>
+            </a:extLst>
+          </p:cNvPr>
+          <p:cNvSpPr txBox="1">
+            <a:spLocks/>
+          </p:cNvSpPr>
+          <p:nvPr/>
+        </p:nvSpPr>
+        <p:spPr>
+          <a:xfrm>
+            <a:off x="1450848" y="2010268"/>
+            <a:ext cx="4645152" cy="4042843"/>
+          </a:xfrm>
+          <a:prstGeom prst="rect">
+            <a:avLst/>
+          </a:prstGeom>
+        </p:spPr>
+        <p:txBody>
+          <a:bodyPr vert="horz" lIns="91440" tIns="45720" rIns="91440" bIns="45720" rtlCol="0">
+            <a:noAutofit/>
+          </a:bodyPr>
+          <a:lstStyle>
+            <a:lvl1pPr marL="228600" indent="-228600" algn="l" defTabSz="914400" rtl="0" eaLnBrk="1" latinLnBrk="0" hangingPunct="1">
+              <a:lnSpc>
+                <a:spcPct val="120000"/>
+              </a:lnSpc>
+              <a:spcBef>
+                <a:spcPts val="1000"/>
+              </a:spcBef>
+              <a:buClr>
+                <a:schemeClr val="accent1"/>
+              </a:buClr>
+              <a:buSzPct val="100000"/>
+              <a:buFont typeface="Arial" panose="020B0604020202020204" pitchFamily="34" charset="0"/>
+              <a:buChar char="•"/>
+              <a:defRPr sz="2000" kern="1200">
+                <a:solidFill>
+                  <a:schemeClr val="tx1"/>
+                </a:solidFill>
+                <a:effectLst/>
+                <a:latin typeface="+mn-lt"/>
+                <a:ea typeface="+mn-ea"/>
+                <a:cs typeface="+mn-cs"/>
+              </a:defRPr>
+            </a:lvl1pPr>
+            <a:lvl2pPr marL="685800" indent="-228600" algn="l" defTabSz="914400" rtl="0" eaLnBrk="1" latinLnBrk="0" hangingPunct="1">
+              <a:lnSpc>
+                <a:spcPct val="120000"/>
+              </a:lnSpc>
+              <a:spcBef>
+                <a:spcPts val="500"/>
+              </a:spcBef>
+              <a:buClr>
+                <a:schemeClr val="accent1"/>
+              </a:buClr>
+              <a:buSzPct val="100000"/>
+              <a:buFont typeface="Arial" panose="020B0604020202020204" pitchFamily="34" charset="0"/>
+              <a:buChar char="•"/>
+              <a:defRPr sz="1800" kern="1200" cap="none" baseline="0">
+                <a:solidFill>
+                  <a:schemeClr val="tx1"/>
+                </a:solidFill>
+                <a:effectLst/>
+                <a:latin typeface="+mn-lt"/>
+                <a:ea typeface="+mn-ea"/>
+                <a:cs typeface="+mn-cs"/>
+              </a:defRPr>
+            </a:lvl2pPr>
+            <a:lvl3pPr marL="1143000" indent="-228600" algn="l" defTabSz="914400" rtl="0" eaLnBrk="1" latinLnBrk="0" hangingPunct="1">
+              <a:lnSpc>
+                <a:spcPct val="120000"/>
+              </a:lnSpc>
+              <a:spcBef>
+                <a:spcPts val="500"/>
+              </a:spcBef>
+              <a:buClr>
+                <a:schemeClr val="accent1"/>
+              </a:buClr>
+              <a:buSzPct val="100000"/>
+              <a:buFont typeface="Arial" panose="020B0604020202020204" pitchFamily="34" charset="0"/>
+              <a:buChar char="•"/>
+              <a:defRPr sz="1600" kern="1200">
+                <a:solidFill>
+                  <a:schemeClr val="tx1"/>
+                </a:solidFill>
+                <a:effectLst/>
+                <a:latin typeface="+mn-lt"/>
+                <a:ea typeface="+mn-ea"/>
+                <a:cs typeface="+mn-cs"/>
+              </a:defRPr>
+            </a:lvl3pPr>
+            <a:lvl4pPr marL="1600200" indent="-228600" algn="l" defTabSz="914400" rtl="0" eaLnBrk="1" latinLnBrk="0" hangingPunct="1">
+              <a:lnSpc>
+                <a:spcPct val="120000"/>
+              </a:lnSpc>
+              <a:spcBef>
+                <a:spcPts val="500"/>
+              </a:spcBef>
+              <a:buClr>
+                <a:schemeClr val="accent1"/>
+              </a:buClr>
+              <a:buSzPct val="100000"/>
+              <a:buFont typeface="Arial" panose="020B0604020202020204" pitchFamily="34" charset="0"/>
+              <a:buChar char="•"/>
+              <a:defRPr sz="1400" kern="1200" cap="none" baseline="0">
+                <a:solidFill>
+                  <a:schemeClr val="tx1"/>
+                </a:solidFill>
+                <a:effectLst/>
+                <a:latin typeface="+mn-lt"/>
+                <a:ea typeface="+mn-ea"/>
+                <a:cs typeface="+mn-cs"/>
+              </a:defRPr>
+            </a:lvl4pPr>
+            <a:lvl5pPr marL="2057400" indent="-228600" algn="l" defTabSz="914400" rtl="0" eaLnBrk="1" latinLnBrk="0" hangingPunct="1">
+              <a:lnSpc>
+                <a:spcPct val="120000"/>
+              </a:lnSpc>
+              <a:spcBef>
+                <a:spcPts val="500"/>
+              </a:spcBef>
+              <a:buClr>
+                <a:schemeClr val="accent1"/>
+              </a:buClr>
+              <a:buSzPct val="100000"/>
+              <a:buFont typeface="Arial" panose="020B0604020202020204" pitchFamily="34" charset="0"/>
+              <a:buChar char="•"/>
+              <a:defRPr sz="1200" kern="1200">
+                <a:solidFill>
+                  <a:schemeClr val="tx1"/>
+                </a:solidFill>
+                <a:effectLst/>
+                <a:latin typeface="+mn-lt"/>
+                <a:ea typeface="+mn-ea"/>
+                <a:cs typeface="+mn-cs"/>
+              </a:defRPr>
+            </a:lvl5pPr>
+            <a:lvl6pPr marL="2514600" indent="-228600" algn="l" defTabSz="914400" rtl="0" eaLnBrk="1" latinLnBrk="0" hangingPunct="1">
+              <a:lnSpc>
+                <a:spcPct val="120000"/>
+              </a:lnSpc>
+              <a:spcBef>
+                <a:spcPts val="500"/>
+              </a:spcBef>
+              <a:buClr>
+                <a:schemeClr val="accent1"/>
+              </a:buClr>
+              <a:buSzPct val="100000"/>
+              <a:buFont typeface="Arial" panose="020B0604020202020204" pitchFamily="34" charset="0"/>
+              <a:buChar char="•"/>
+              <a:defRPr sz="1200" kern="1200">
+                <a:solidFill>
+                  <a:schemeClr val="tx1"/>
+                </a:solidFill>
+                <a:effectLst/>
+                <a:latin typeface="+mn-lt"/>
+                <a:ea typeface="+mn-ea"/>
+                <a:cs typeface="+mn-cs"/>
+              </a:defRPr>
+            </a:lvl6pPr>
+            <a:lvl7pPr marL="2971800" indent="-228600" algn="l" defTabSz="914400" rtl="0" eaLnBrk="1" latinLnBrk="0" hangingPunct="1">
+              <a:lnSpc>
+                <a:spcPct val="120000"/>
+              </a:lnSpc>
+              <a:spcBef>
+                <a:spcPts val="500"/>
+              </a:spcBef>
+              <a:buClr>
+                <a:schemeClr val="accent1"/>
+              </a:buClr>
+              <a:buSzPct val="100000"/>
+              <a:buFont typeface="Arial" panose="020B0604020202020204" pitchFamily="34" charset="0"/>
+              <a:buChar char="•"/>
+              <a:defRPr sz="1200" kern="1200">
+                <a:solidFill>
+                  <a:schemeClr val="tx1"/>
+                </a:solidFill>
+                <a:effectLst/>
+                <a:latin typeface="+mn-lt"/>
+                <a:ea typeface="+mn-ea"/>
+                <a:cs typeface="+mn-cs"/>
+              </a:defRPr>
+            </a:lvl7pPr>
+            <a:lvl8pPr marL="3429000" indent="-228600" algn="l" defTabSz="914400" rtl="0" eaLnBrk="1" latinLnBrk="0" hangingPunct="1">
+              <a:lnSpc>
+                <a:spcPct val="120000"/>
+              </a:lnSpc>
+              <a:spcBef>
+                <a:spcPts val="500"/>
+              </a:spcBef>
+              <a:buClr>
+                <a:schemeClr val="accent1"/>
+              </a:buClr>
+              <a:buSzPct val="100000"/>
+              <a:buFont typeface="Arial" panose="020B0604020202020204" pitchFamily="34" charset="0"/>
+              <a:buChar char="•"/>
+              <a:defRPr sz="1200" kern="1200" baseline="0">
+                <a:solidFill>
+                  <a:schemeClr val="tx1"/>
+                </a:solidFill>
+                <a:effectLst/>
+                <a:latin typeface="+mn-lt"/>
+                <a:ea typeface="+mn-ea"/>
+                <a:cs typeface="+mn-cs"/>
+              </a:defRPr>
+            </a:lvl8pPr>
+            <a:lvl9pPr marL="3886200" indent="-228600" algn="l" defTabSz="914400" rtl="0" eaLnBrk="1" latinLnBrk="0" hangingPunct="1">
+              <a:lnSpc>
+                <a:spcPct val="120000"/>
+              </a:lnSpc>
+              <a:spcBef>
+                <a:spcPts val="500"/>
+              </a:spcBef>
+              <a:buClr>
+                <a:schemeClr val="accent1"/>
+              </a:buClr>
+              <a:buSzPct val="100000"/>
+              <a:buFont typeface="Arial" panose="020B0604020202020204" pitchFamily="34" charset="0"/>
+              <a:buChar char="•"/>
+              <a:defRPr sz="1200" kern="1200" baseline="0">
+                <a:solidFill>
+                  <a:schemeClr val="tx1"/>
+                </a:solidFill>
+                <a:effectLst/>
+                <a:latin typeface="+mn-lt"/>
+                <a:ea typeface="+mn-ea"/>
+                <a:cs typeface="+mn-cs"/>
+              </a:defRPr>
+            </a:lvl9pPr>
+          </a:lstStyle>
+          <a:p>
+            <a:r>
+              <a:rPr lang="ru-RU" sz="1500" dirty="0"/>
+              <a:t>Интегральные схемы стали элементной базой компьютеров третьего поколения. Интегральная схема-это схема изготовленная на полупроводниковом кристалле и помещенная в корпус. Иногда интегральную схему называют – микросхемой или чипом. </a:t>
+            </a:r>
+            <a:r>
+              <a:rPr lang="ru-RU" sz="1500" dirty="0" err="1"/>
+              <a:t>Chip</a:t>
+            </a:r>
+            <a:r>
+              <a:rPr lang="ru-RU" sz="1500" dirty="0"/>
+              <a:t> в переводе с английского – щепка. Это название он получил из-за своих крошечных размеров. Первые микросхемы появились в 1958 году. Два инженера почти одновременно изобрели их не зная друг о друге. Это Джек </a:t>
+            </a:r>
+            <a:r>
+              <a:rPr lang="ru-RU" sz="1500" dirty="0" err="1"/>
+              <a:t>Килби</a:t>
+            </a:r>
+            <a:r>
+              <a:rPr lang="ru-RU" sz="1500" dirty="0"/>
+              <a:t> и Роберт Нойс. </a:t>
+            </a:r>
           </a:p>
         </p:txBody>
       </p:sp>
     </p:spTree>
     <p:extLst>
       <p:ext uri="{BB962C8B-B14F-4D97-AF65-F5344CB8AC3E}">
-        <p14:creationId xmlns:p14="http://schemas.microsoft.com/office/powerpoint/2010/main" val="606544475"/>
+        <p14:creationId xmlns:p14="http://schemas.microsoft.com/office/powerpoint/2010/main" val="3929495678"/>
       </p:ext>
     </p:extLst>
   </p:cSld>
   <p:clrMapOvr>
     <a:masterClrMapping/>
   </p:clrMapOvr>
-  <p:transition spd="slow">
-    <p:push dir="u"/>
-  </p:transition>
 </p:sld>
 </file>
 
@@ -5149,10 +5981,10 @@
       </p:grpSpPr>
       <p:sp>
         <p:nvSpPr>
-          <p:cNvPr id="3" name="Объект 2">
+          <p:cNvPr id="2" name="Заголовок 1">
             <a:extLst>
               <a:ext uri="{FF2B5EF4-FFF2-40B4-BE49-F238E27FC236}">
-                <a16:creationId xmlns:a16="http://schemas.microsoft.com/office/drawing/2014/main" id="{A562DD7D-B1B9-154E-B9EF-B4B73F9C9E32}"/>
+                <a16:creationId xmlns:a16="http://schemas.microsoft.com/office/drawing/2014/main" id="{B7174472-EEAA-43EC-BE5C-43509C9E5B9A}"/>
               </a:ext>
             </a:extLst>
           </p:cNvPr>
@@ -5160,70 +5992,104 @@
             <a:spLocks noGrp="1"/>
           </p:cNvSpPr>
           <p:nvPr>
+            <p:ph type="title"/>
+          </p:nvPr>
+        </p:nvSpPr>
+        <p:spPr/>
+        <p:txBody>
+          <a:bodyPr/>
+          <a:lstStyle/>
+          <a:p>
+            <a:endParaRPr lang="ru-RU" dirty="0"/>
+          </a:p>
+        </p:txBody>
+      </p:sp>
+      <p:sp>
+        <p:nvSpPr>
+          <p:cNvPr id="3" name="Объект 2">
+            <a:extLst>
+              <a:ext uri="{FF2B5EF4-FFF2-40B4-BE49-F238E27FC236}">
+                <a16:creationId xmlns:a16="http://schemas.microsoft.com/office/drawing/2014/main" id="{216183F7-6FEB-4DD2-A307-6A18366B8EB0}"/>
+              </a:ext>
+            </a:extLst>
+          </p:cNvPr>
+          <p:cNvSpPr>
+            <a:spLocks noGrp="1"/>
+          </p:cNvSpPr>
+          <p:nvPr>
             <p:ph sz="half" idx="1"/>
           </p:nvPr>
         </p:nvSpPr>
+        <p:spPr/>
+        <p:txBody>
+          <a:bodyPr/>
+          <a:lstStyle/>
+          <a:p>
+            <a:endParaRPr lang="ru-RU"/>
+          </a:p>
+        </p:txBody>
+      </p:sp>
+      <p:sp>
+        <p:nvSpPr>
+          <p:cNvPr id="4" name="Объект 3">
+            <a:extLst>
+              <a:ext uri="{FF2B5EF4-FFF2-40B4-BE49-F238E27FC236}">
+                <a16:creationId xmlns:a16="http://schemas.microsoft.com/office/drawing/2014/main" id="{FED93F22-CCB1-48A4-89E7-0607EC3EC3BD}"/>
+              </a:ext>
+            </a:extLst>
+          </p:cNvPr>
+          <p:cNvSpPr>
+            <a:spLocks noGrp="1"/>
+          </p:cNvSpPr>
+          <p:nvPr>
+            <p:ph sz="half" idx="2"/>
+          </p:nvPr>
+        </p:nvSpPr>
+        <p:spPr/>
+        <p:txBody>
+          <a:bodyPr/>
+          <a:lstStyle/>
+          <a:p>
+            <a:endParaRPr lang="ru-RU"/>
+          </a:p>
+        </p:txBody>
+      </p:sp>
+      <p:pic>
+        <p:nvPicPr>
+          <p:cNvPr id="5" name="Объект 12">
+            <a:extLst>
+              <a:ext uri="{FF2B5EF4-FFF2-40B4-BE49-F238E27FC236}">
+                <a16:creationId xmlns:a16="http://schemas.microsoft.com/office/drawing/2014/main" id="{331F09D4-7130-473F-8378-928EB27585FC}"/>
+              </a:ext>
+            </a:extLst>
+          </p:cNvPr>
+          <p:cNvPicPr>
+            <a:picLocks noChangeAspect="1"/>
+          </p:cNvPicPr>
+          <p:nvPr/>
+        </p:nvPicPr>
+        <p:blipFill>
+          <a:blip r:embed="rId2"/>
+          <a:stretch>
+            <a:fillRect/>
+          </a:stretch>
+        </p:blipFill>
         <p:spPr>
           <a:xfrm>
-            <a:off x="1450848" y="2010268"/>
-            <a:ext cx="4645152" cy="6219332"/>
+            <a:off x="6496067" y="2017342"/>
+            <a:ext cx="4480560" cy="3441519"/>
           </a:xfrm>
+          <a:prstGeom prst="rect">
+            <a:avLst/>
+          </a:prstGeom>
         </p:spPr>
-        <p:txBody>
-          <a:bodyPr>
-            <a:noAutofit/>
-          </a:bodyPr>
-          <a:lstStyle/>
-          <a:p>
-            <a:r>
-              <a:rPr lang="ru-RU" sz="1500" dirty="0"/>
-              <a:t>Интегральные схемы стали элементной базой компьютеров третьего поколения. </a:t>
-            </a:r>
-            <a:r>
-              <a:rPr lang="ru-RU" sz="1500" dirty="0">
-                <a:hlinkClick r:id="rId2"/>
-              </a:rPr>
-              <a:t>Интегральная схем</a:t>
-            </a:r>
-            <a:r>
-              <a:rPr lang="ru-RU" sz="1500" dirty="0"/>
-              <a:t> это схема изготовленная на полупроводниковом кристалле и помещенная в корпус. Иногда интегральную схему называют – микросхемой или чипом. </a:t>
-            </a:r>
-            <a:r>
-              <a:rPr lang="ru-RU" sz="1500" dirty="0" err="1"/>
-              <a:t>Chip</a:t>
-            </a:r>
-            <a:r>
-              <a:rPr lang="ru-RU" sz="1500" dirty="0"/>
-              <a:t> в переводе с английского – щепка. Это название он получил из-за своих крошечных размеров. Первые микросхемы появились в 1958 году. Два инженера почти одновременно изобрели их не зная друг о друге. Это </a:t>
-            </a:r>
-            <a:r>
-              <a:rPr lang="ru-RU" sz="1500" dirty="0">
-                <a:hlinkClick r:id="rId3"/>
-              </a:rPr>
-              <a:t>Джек Килби</a:t>
-            </a:r>
-            <a:r>
-              <a:rPr lang="ru-RU" sz="1500" dirty="0"/>
-              <a:t> и Роберт </a:t>
-            </a:r>
-            <a:r>
-              <a:rPr lang="ru-RU" sz="1500" dirty="0" err="1"/>
-              <a:t>Нойс</a:t>
-            </a:r>
-            <a:r>
-              <a:rPr lang="ru-RU" sz="1500" dirty="0"/>
-              <a:t>. </a:t>
-            </a:r>
-          </a:p>
-        </p:txBody>
-      </p:sp>
-      <p:sp>
-        <p:nvSpPr>
-          <p:cNvPr id="5" name="TextBox 4">
+      </p:pic>
+      <p:sp>
+        <p:nvSpPr>
+          <p:cNvPr id="6" name="TextBox 5">
             <a:extLst>
               <a:ext uri="{FF2B5EF4-FFF2-40B4-BE49-F238E27FC236}">
-                <a16:creationId xmlns:a16="http://schemas.microsoft.com/office/drawing/2014/main" id="{C5D090E1-88A6-7443-9D77-CA0D4DCD0CF8}"/>
+                <a16:creationId xmlns:a16="http://schemas.microsoft.com/office/drawing/2014/main" id="{9CC99605-570D-49B2-A056-5BC174994365}"/>
               </a:ext>
             </a:extLst>
           </p:cNvPr>
@@ -5232,8 +6098,8 @@
         </p:nvSpPr>
         <p:spPr>
           <a:xfrm>
-            <a:off x="2691442" y="1500996"/>
-            <a:ext cx="2752613" cy="369332"/>
+            <a:off x="6413771" y="5616014"/>
+            <a:ext cx="4775666" cy="646331"/>
           </a:xfrm>
           <a:prstGeom prst="rect">
             <a:avLst/>
@@ -5248,22 +6114,147 @@
           <a:p>
             <a:r>
               <a:rPr lang="ru-RU" b="1" dirty="0"/>
-              <a:t>ТРЕТЬЕ ПОКОЛЕНИЕ ЭВМ</a:t>
-            </a:r>
-            <a:r>
-              <a:rPr lang="en-US" b="1" dirty="0"/>
-              <a:t>:</a:t>
-            </a:r>
-            <a:endParaRPr lang="ru-RU" b="1" dirty="0"/>
-          </a:p>
-        </p:txBody>
-      </p:sp>
-      <p:sp>
-        <p:nvSpPr>
-          <p:cNvPr id="6" name="TextBox 5">
+              <a:t>Четвертое поколение ЭВМ (1974 — 1982 гг.)</a:t>
+            </a:r>
+          </a:p>
+          <a:p>
+            <a:endParaRPr lang="ru-RU" dirty="0"/>
+          </a:p>
+        </p:txBody>
+      </p:sp>
+      <p:sp>
+        <p:nvSpPr>
+          <p:cNvPr id="7" name="Заголовок 6">
             <a:extLst>
               <a:ext uri="{FF2B5EF4-FFF2-40B4-BE49-F238E27FC236}">
-                <a16:creationId xmlns:a16="http://schemas.microsoft.com/office/drawing/2014/main" id="{2DF7C1B7-E96D-224F-8B12-CBE526824EDE}"/>
+                <a16:creationId xmlns:a16="http://schemas.microsoft.com/office/drawing/2014/main" id="{69BF188B-7D18-4822-9E82-2C38BB23AE57}"/>
+              </a:ext>
+            </a:extLst>
+          </p:cNvPr>
+          <p:cNvSpPr txBox="1">
+            <a:spLocks/>
+          </p:cNvSpPr>
+          <p:nvPr/>
+        </p:nvSpPr>
+        <p:spPr>
+          <a:xfrm>
+            <a:off x="1453288" y="819203"/>
+            <a:ext cx="9605635" cy="1059305"/>
+          </a:xfrm>
+          <a:prstGeom prst="rect">
+            <a:avLst/>
+          </a:prstGeom>
+        </p:spPr>
+        <p:txBody>
+          <a:bodyPr vert="horz" lIns="91440" tIns="45720" rIns="91440" bIns="45720" rtlCol="0" anchor="t">
+            <a:normAutofit/>
+          </a:bodyPr>
+          <a:lstStyle>
+            <a:lvl1pPr algn="l" defTabSz="914400" rtl="0" eaLnBrk="1" latinLnBrk="0" hangingPunct="1">
+              <a:lnSpc>
+                <a:spcPct val="90000"/>
+              </a:lnSpc>
+              <a:spcBef>
+                <a:spcPct val="0"/>
+              </a:spcBef>
+              <a:buNone/>
+              <a:defRPr sz="3200" b="0" i="0" kern="1200" cap="all">
+                <a:solidFill>
+                  <a:schemeClr val="tx1"/>
+                </a:solidFill>
+                <a:effectLst/>
+                <a:latin typeface="+mj-lt"/>
+                <a:ea typeface="+mj-ea"/>
+                <a:cs typeface="+mj-cs"/>
+              </a:defRPr>
+            </a:lvl1pPr>
+          </a:lstStyle>
+          <a:p>
+            <a:r>
+              <a:rPr lang="ru-RU" cap="none" dirty="0">
+                <a:ln w="0"/>
+                <a:solidFill>
+                  <a:schemeClr val="accent1"/>
+                </a:solidFill>
+                <a:effectLst>
+                  <a:outerShdw blurRad="38100" dist="25400" dir="5400000" algn="ctr" rotWithShape="0">
+                    <a:srgbClr val="6E747A">
+                      <a:alpha val="43000"/>
+                    </a:srgbClr>
+                  </a:outerShdw>
+                </a:effectLst>
+              </a:rPr>
+              <a:t>Поколения </a:t>
+            </a:r>
+            <a:r>
+              <a:rPr lang="ru-RU" cap="none" dirty="0" err="1">
+                <a:ln w="0"/>
+                <a:solidFill>
+                  <a:schemeClr val="accent1"/>
+                </a:solidFill>
+                <a:effectLst>
+                  <a:outerShdw blurRad="38100" dist="25400" dir="5400000" algn="ctr" rotWithShape="0">
+                    <a:srgbClr val="6E747A">
+                      <a:alpha val="43000"/>
+                    </a:srgbClr>
+                  </a:outerShdw>
+                </a:effectLst>
+              </a:rPr>
+              <a:t>эвм</a:t>
+            </a:r>
+            <a:r>
+              <a:rPr lang="en-US" cap="none" dirty="0">
+                <a:ln w="0"/>
+                <a:solidFill>
+                  <a:schemeClr val="accent1"/>
+                </a:solidFill>
+                <a:effectLst>
+                  <a:outerShdw blurRad="38100" dist="25400" dir="5400000" algn="ctr" rotWithShape="0">
+                    <a:srgbClr val="6E747A">
+                      <a:alpha val="43000"/>
+                    </a:srgbClr>
+                  </a:outerShdw>
+                </a:effectLst>
+              </a:rPr>
+              <a:t>:</a:t>
+            </a:r>
+            <a:br>
+              <a:rPr lang="ru-RU" cap="none" dirty="0">
+                <a:ln w="0"/>
+                <a:solidFill>
+                  <a:schemeClr val="accent1"/>
+                </a:solidFill>
+                <a:effectLst>
+                  <a:outerShdw blurRad="38100" dist="25400" dir="5400000" algn="ctr" rotWithShape="0">
+                    <a:srgbClr val="6E747A">
+                      <a:alpha val="43000"/>
+                    </a:srgbClr>
+                  </a:outerShdw>
+                </a:effectLst>
+              </a:rPr>
+            </a:br>
+            <a:endParaRPr lang="ru-RU" cap="none" dirty="0">
+              <a:ln w="0"/>
+              <a:solidFill>
+                <a:schemeClr val="accent1"/>
+              </a:solidFill>
+              <a:effectLst>
+                <a:outerShdw blurRad="38100" dist="25400" dir="5400000" algn="ctr" rotWithShape="0">
+                  <a:srgbClr val="6E747A">
+                    <a:alpha val="43000"/>
+                  </a:srgbClr>
+                </a:outerShdw>
+              </a:effectLst>
+            </a:endParaRPr>
+          </a:p>
+        </p:txBody>
+      </p:sp>
+      <p:sp>
+        <p:nvSpPr>
+          <p:cNvPr id="8" name="TextBox 7">
+            <a:extLst>
+              <a:ext uri="{FF2B5EF4-FFF2-40B4-BE49-F238E27FC236}">
+                <a16:creationId xmlns:a16="http://schemas.microsoft.com/office/drawing/2014/main" id="{666144AE-5961-487C-B202-6700047534C3}"/>
               </a:ext>
             </a:extLst>
           </p:cNvPr>
@@ -5272,8 +6263,8 @@
         </p:nvSpPr>
         <p:spPr>
           <a:xfrm>
-            <a:off x="7366959" y="1500996"/>
-            <a:ext cx="3171381" cy="369332"/>
+            <a:off x="1447331" y="1523490"/>
+            <a:ext cx="9089123" cy="369332"/>
           </a:xfrm>
           <a:prstGeom prst="rect">
             <a:avLst/>
@@ -5281,7 +6272,7 @@
           <a:noFill/>
         </p:spPr>
         <p:txBody>
-          <a:bodyPr wrap="none" rtlCol="0">
+          <a:bodyPr wrap="square" rtlCol="0">
             <a:spAutoFit/>
           </a:bodyPr>
           <a:lstStyle/>
@@ -5303,49 +6294,256 @@
           <p:cNvPr id="9" name="Объект 8">
             <a:extLst>
               <a:ext uri="{FF2B5EF4-FFF2-40B4-BE49-F238E27FC236}">
-                <a16:creationId xmlns:a16="http://schemas.microsoft.com/office/drawing/2014/main" id="{50845E13-1A3E-9E47-A70A-BDF1C9083671}"/>
+                <a16:creationId xmlns:a16="http://schemas.microsoft.com/office/drawing/2014/main" id="{EF76BF8A-D531-4E6C-8498-04A4B608E7CC}"/>
               </a:ext>
             </a:extLst>
           </p:cNvPr>
-          <p:cNvSpPr>
-            <a:spLocks noGrp="1"/>
-          </p:cNvSpPr>
-          <p:nvPr>
-            <p:ph sz="half" idx="2"/>
-          </p:nvPr>
+          <p:cNvSpPr txBox="1">
+            <a:spLocks/>
+          </p:cNvSpPr>
+          <p:nvPr/>
         </p:nvSpPr>
         <p:spPr>
           <a:xfrm>
-            <a:off x="6431024" y="1941677"/>
+            <a:off x="1348626" y="1767859"/>
             <a:ext cx="4645152" cy="3441520"/>
           </a:xfrm>
+          <a:prstGeom prst="rect">
+            <a:avLst/>
+          </a:prstGeom>
         </p:spPr>
         <p:txBody>
-          <a:bodyPr>
+          <a:bodyPr vert="horz" lIns="91440" tIns="45720" rIns="91440" bIns="45720" rtlCol="0">
             <a:noAutofit/>
           </a:bodyPr>
-          <a:lstStyle/>
-          <a:p>
-            <a:r>
-              <a:rPr lang="ru-RU" sz="1500" dirty="0"/>
+          <a:lstStyle>
+            <a:lvl1pPr marL="228600" indent="-228600" algn="l" defTabSz="914400" rtl="0" eaLnBrk="1" latinLnBrk="0" hangingPunct="1">
+              <a:lnSpc>
+                <a:spcPct val="120000"/>
+              </a:lnSpc>
+              <a:spcBef>
+                <a:spcPts val="1000"/>
+              </a:spcBef>
+              <a:buClr>
+                <a:schemeClr val="accent1"/>
+              </a:buClr>
+              <a:buSzPct val="100000"/>
+              <a:buFont typeface="Arial" panose="020B0604020202020204" pitchFamily="34" charset="0"/>
+              <a:buChar char="•"/>
+              <a:defRPr sz="2000" kern="1200">
+                <a:solidFill>
+                  <a:schemeClr val="tx1"/>
+                </a:solidFill>
+                <a:effectLst/>
+                <a:latin typeface="+mn-lt"/>
+                <a:ea typeface="+mn-ea"/>
+                <a:cs typeface="+mn-cs"/>
+              </a:defRPr>
+            </a:lvl1pPr>
+            <a:lvl2pPr marL="685800" indent="-228600" algn="l" defTabSz="914400" rtl="0" eaLnBrk="1" latinLnBrk="0" hangingPunct="1">
+              <a:lnSpc>
+                <a:spcPct val="120000"/>
+              </a:lnSpc>
+              <a:spcBef>
+                <a:spcPts val="500"/>
+              </a:spcBef>
+              <a:buClr>
+                <a:schemeClr val="accent1"/>
+              </a:buClr>
+              <a:buSzPct val="100000"/>
+              <a:buFont typeface="Arial" panose="020B0604020202020204" pitchFamily="34" charset="0"/>
+              <a:buChar char="•"/>
+              <a:defRPr sz="1800" kern="1200" cap="none" baseline="0">
+                <a:solidFill>
+                  <a:schemeClr val="tx1"/>
+                </a:solidFill>
+                <a:effectLst/>
+                <a:latin typeface="+mn-lt"/>
+                <a:ea typeface="+mn-ea"/>
+                <a:cs typeface="+mn-cs"/>
+              </a:defRPr>
+            </a:lvl2pPr>
+            <a:lvl3pPr marL="1143000" indent="-228600" algn="l" defTabSz="914400" rtl="0" eaLnBrk="1" latinLnBrk="0" hangingPunct="1">
+              <a:lnSpc>
+                <a:spcPct val="120000"/>
+              </a:lnSpc>
+              <a:spcBef>
+                <a:spcPts val="500"/>
+              </a:spcBef>
+              <a:buClr>
+                <a:schemeClr val="accent1"/>
+              </a:buClr>
+              <a:buSzPct val="100000"/>
+              <a:buFont typeface="Arial" panose="020B0604020202020204" pitchFamily="34" charset="0"/>
+              <a:buChar char="•"/>
+              <a:defRPr sz="1600" kern="1200">
+                <a:solidFill>
+                  <a:schemeClr val="tx1"/>
+                </a:solidFill>
+                <a:effectLst/>
+                <a:latin typeface="+mn-lt"/>
+                <a:ea typeface="+mn-ea"/>
+                <a:cs typeface="+mn-cs"/>
+              </a:defRPr>
+            </a:lvl3pPr>
+            <a:lvl4pPr marL="1600200" indent="-228600" algn="l" defTabSz="914400" rtl="0" eaLnBrk="1" latinLnBrk="0" hangingPunct="1">
+              <a:lnSpc>
+                <a:spcPct val="120000"/>
+              </a:lnSpc>
+              <a:spcBef>
+                <a:spcPts val="500"/>
+              </a:spcBef>
+              <a:buClr>
+                <a:schemeClr val="accent1"/>
+              </a:buClr>
+              <a:buSzPct val="100000"/>
+              <a:buFont typeface="Arial" panose="020B0604020202020204" pitchFamily="34" charset="0"/>
+              <a:buChar char="•"/>
+              <a:defRPr sz="1400" kern="1200" cap="none" baseline="0">
+                <a:solidFill>
+                  <a:schemeClr val="tx1"/>
+                </a:solidFill>
+                <a:effectLst/>
+                <a:latin typeface="+mn-lt"/>
+                <a:ea typeface="+mn-ea"/>
+                <a:cs typeface="+mn-cs"/>
+              </a:defRPr>
+            </a:lvl4pPr>
+            <a:lvl5pPr marL="2057400" indent="-228600" algn="l" defTabSz="914400" rtl="0" eaLnBrk="1" latinLnBrk="0" hangingPunct="1">
+              <a:lnSpc>
+                <a:spcPct val="120000"/>
+              </a:lnSpc>
+              <a:spcBef>
+                <a:spcPts val="500"/>
+              </a:spcBef>
+              <a:buClr>
+                <a:schemeClr val="accent1"/>
+              </a:buClr>
+              <a:buSzPct val="100000"/>
+              <a:buFont typeface="Arial" panose="020B0604020202020204" pitchFamily="34" charset="0"/>
+              <a:buChar char="•"/>
+              <a:defRPr sz="1200" kern="1200">
+                <a:solidFill>
+                  <a:schemeClr val="tx1"/>
+                </a:solidFill>
+                <a:effectLst/>
+                <a:latin typeface="+mn-lt"/>
+                <a:ea typeface="+mn-ea"/>
+                <a:cs typeface="+mn-cs"/>
+              </a:defRPr>
+            </a:lvl5pPr>
+            <a:lvl6pPr marL="2514600" indent="-228600" algn="l" defTabSz="914400" rtl="0" eaLnBrk="1" latinLnBrk="0" hangingPunct="1">
+              <a:lnSpc>
+                <a:spcPct val="120000"/>
+              </a:lnSpc>
+              <a:spcBef>
+                <a:spcPts val="500"/>
+              </a:spcBef>
+              <a:buClr>
+                <a:schemeClr val="accent1"/>
+              </a:buClr>
+              <a:buSzPct val="100000"/>
+              <a:buFont typeface="Arial" panose="020B0604020202020204" pitchFamily="34" charset="0"/>
+              <a:buChar char="•"/>
+              <a:defRPr sz="1200" kern="1200">
+                <a:solidFill>
+                  <a:schemeClr val="tx1"/>
+                </a:solidFill>
+                <a:effectLst/>
+                <a:latin typeface="+mn-lt"/>
+                <a:ea typeface="+mn-ea"/>
+                <a:cs typeface="+mn-cs"/>
+              </a:defRPr>
+            </a:lvl6pPr>
+            <a:lvl7pPr marL="2971800" indent="-228600" algn="l" defTabSz="914400" rtl="0" eaLnBrk="1" latinLnBrk="0" hangingPunct="1">
+              <a:lnSpc>
+                <a:spcPct val="120000"/>
+              </a:lnSpc>
+              <a:spcBef>
+                <a:spcPts val="500"/>
+              </a:spcBef>
+              <a:buClr>
+                <a:schemeClr val="accent1"/>
+              </a:buClr>
+              <a:buSzPct val="100000"/>
+              <a:buFont typeface="Arial" panose="020B0604020202020204" pitchFamily="34" charset="0"/>
+              <a:buChar char="•"/>
+              <a:defRPr sz="1200" kern="1200">
+                <a:solidFill>
+                  <a:schemeClr val="tx1"/>
+                </a:solidFill>
+                <a:effectLst/>
+                <a:latin typeface="+mn-lt"/>
+                <a:ea typeface="+mn-ea"/>
+                <a:cs typeface="+mn-cs"/>
+              </a:defRPr>
+            </a:lvl7pPr>
+            <a:lvl8pPr marL="3429000" indent="-228600" algn="l" defTabSz="914400" rtl="0" eaLnBrk="1" latinLnBrk="0" hangingPunct="1">
+              <a:lnSpc>
+                <a:spcPct val="120000"/>
+              </a:lnSpc>
+              <a:spcBef>
+                <a:spcPts val="500"/>
+              </a:spcBef>
+              <a:buClr>
+                <a:schemeClr val="accent1"/>
+              </a:buClr>
+              <a:buSzPct val="100000"/>
+              <a:buFont typeface="Arial" panose="020B0604020202020204" pitchFamily="34" charset="0"/>
+              <a:buChar char="•"/>
+              <a:defRPr sz="1200" kern="1200" baseline="0">
+                <a:solidFill>
+                  <a:schemeClr val="tx1"/>
+                </a:solidFill>
+                <a:effectLst/>
+                <a:latin typeface="+mn-lt"/>
+                <a:ea typeface="+mn-ea"/>
+                <a:cs typeface="+mn-cs"/>
+              </a:defRPr>
+            </a:lvl8pPr>
+            <a:lvl9pPr marL="3886200" indent="-228600" algn="l" defTabSz="914400" rtl="0" eaLnBrk="1" latinLnBrk="0" hangingPunct="1">
+              <a:lnSpc>
+                <a:spcPct val="120000"/>
+              </a:lnSpc>
+              <a:spcBef>
+                <a:spcPts val="500"/>
+              </a:spcBef>
+              <a:buClr>
+                <a:schemeClr val="accent1"/>
+              </a:buClr>
+              <a:buSzPct val="100000"/>
+              <a:buFont typeface="Arial" panose="020B0604020202020204" pitchFamily="34" charset="0"/>
+              <a:buChar char="•"/>
+              <a:defRPr sz="1200" kern="1200" baseline="0">
+                <a:solidFill>
+                  <a:schemeClr val="tx1"/>
+                </a:solidFill>
+                <a:effectLst/>
+                <a:latin typeface="+mn-lt"/>
+                <a:ea typeface="+mn-ea"/>
+                <a:cs typeface="+mn-cs"/>
+              </a:defRPr>
+            </a:lvl9pPr>
+          </a:lstStyle>
+          <a:p>
+            <a:r>
+              <a:rPr lang="ru-RU" sz="1500"/>
               <a:t>Новым этапом для развития ЭВМ послужили большие интегральные схемы (БИС). Элементная база компьютеров четвертого поколения это БИС. Стремительное развитие электроники, позволило разместить на одном кристалле тысячи полупроводников. Такая миниатюризация привела к появлению недорогих компьютеров. Небольшие ЭВМ могли разместиться на одном письменном столе. Именно в эти годы зародился термин «Персональный компьютер». Исчезают огромные дорогостоящие монстры. За одним таким компьютером, через терминалы, работало сразу несколько десятков пользователей. Теперь. Один человек – один компьютер. Машина стала, действительно персональной.</a:t>
             </a:r>
+            <a:endParaRPr lang="ru-RU" sz="1500" dirty="0"/>
           </a:p>
         </p:txBody>
       </p:sp>
     </p:spTree>
     <p:extLst>
       <p:ext uri="{BB962C8B-B14F-4D97-AF65-F5344CB8AC3E}">
-        <p14:creationId xmlns:p14="http://schemas.microsoft.com/office/powerpoint/2010/main" val="2414356922"/>
+        <p14:creationId xmlns:p14="http://schemas.microsoft.com/office/powerpoint/2010/main" val="4062221563"/>
       </p:ext>
     </p:extLst>
   </p:cSld>
   <p:clrMapOvr>
     <a:masterClrMapping/>
   </p:clrMapOvr>
-  <p:transition spd="slow">
-    <p:wipe/>
-  </p:transition>
 </p:sld>
 </file>
 
@@ -5382,14 +6580,14 @@
             <p:ph sz="half" idx="2"/>
             <p:extLst>
               <p:ext uri="{D42A27DB-BD31-4B8C-83A1-F6EECF244321}">
-                <p14:modId xmlns:p14="http://schemas.microsoft.com/office/powerpoint/2010/main" val="344588900"/>
+                <p14:modId xmlns:p14="http://schemas.microsoft.com/office/powerpoint/2010/main" val="243147880"/>
               </p:ext>
             </p:extLst>
           </p:nvPr>
         </p:nvGraphicFramePr>
         <p:xfrm>
-          <a:off x="4122071" y="-137160"/>
-          <a:ext cx="8069929" cy="7132320"/>
+          <a:off x="4122071" y="0"/>
+          <a:ext cx="8069931" cy="6928269"/>
         </p:xfrm>
         <a:graphic>
           <a:graphicData uri="http://schemas.openxmlformats.org/drawingml/2006/table">
@@ -5398,50 +6596,43 @@
                 <a:tableStyleId>{073A0DAA-6AF3-43AB-8588-CEC1D06C72B9}</a:tableStyleId>
               </a:tblPr>
               <a:tblGrid>
-                <a:gridCol w="1493209">
+                <a:gridCol w="1783987">
                   <a:extLst>
                     <a:ext uri="{9D8B030D-6E8A-4147-A177-3AD203B41FA5}">
                       <a16:colId xmlns:a16="http://schemas.microsoft.com/office/drawing/2014/main" val="239581620"/>
                     </a:ext>
                   </a:extLst>
                 </a:gridCol>
-                <a:gridCol w="1315344">
+                <a:gridCol w="1571486">
                   <a:extLst>
                     <a:ext uri="{9D8B030D-6E8A-4147-A177-3AD203B41FA5}">
                       <a16:colId xmlns:a16="http://schemas.microsoft.com/office/drawing/2014/main" val="136017190"/>
                     </a:ext>
                   </a:extLst>
                 </a:gridCol>
-                <a:gridCol w="1315344">
+                <a:gridCol w="1571486">
                   <a:extLst>
                     <a:ext uri="{9D8B030D-6E8A-4147-A177-3AD203B41FA5}">
                       <a16:colId xmlns:a16="http://schemas.microsoft.com/office/drawing/2014/main" val="2098596356"/>
                     </a:ext>
                   </a:extLst>
                 </a:gridCol>
-                <a:gridCol w="1315344">
+                <a:gridCol w="1571486">
                   <a:extLst>
                     <a:ext uri="{9D8B030D-6E8A-4147-A177-3AD203B41FA5}">
                       <a16:colId xmlns:a16="http://schemas.microsoft.com/office/drawing/2014/main" val="559291495"/>
                     </a:ext>
                   </a:extLst>
                 </a:gridCol>
-                <a:gridCol w="1315344">
+                <a:gridCol w="1571486">
                   <a:extLst>
                     <a:ext uri="{9D8B030D-6E8A-4147-A177-3AD203B41FA5}">
                       <a16:colId xmlns:a16="http://schemas.microsoft.com/office/drawing/2014/main" val="1631670905"/>
                     </a:ext>
                   </a:extLst>
                 </a:gridCol>
-                <a:gridCol w="1315344">
-                  <a:extLst>
-                    <a:ext uri="{9D8B030D-6E8A-4147-A177-3AD203B41FA5}">
-                      <a16:colId xmlns:a16="http://schemas.microsoft.com/office/drawing/2014/main" val="2666425301"/>
-                    </a:ext>
-                  </a:extLst>
-                </a:gridCol>
               </a:tblGrid>
-              <a:tr h="594527">
+              <a:tr h="592468">
                 <a:tc>
                   <a:txBody>
                     <a:bodyPr/>
@@ -5511,23 +6702,13 @@
                   </a:txBody>
                   <a:tcPr/>
                 </a:tc>
-                <a:tc>
-                  <a:txBody>
-                    <a:bodyPr/>
-                    <a:lstStyle/>
-                    <a:p>
-                      <a:endParaRPr lang="ru-RU"/>
-                    </a:p>
-                  </a:txBody>
-                  <a:tcPr/>
-                </a:tc>
                 <a:extLst>
                   <a:ext uri="{0D108BD9-81ED-4DB2-BD59-A6C34878D82A}">
                     <a16:rowId xmlns:a16="http://schemas.microsoft.com/office/drawing/2014/main" val="3021610541"/>
                   </a:ext>
                 </a:extLst>
               </a:tr>
-              <a:tr h="594527">
+              <a:tr h="629832">
                 <a:tc>
                   <a:txBody>
                     <a:bodyPr/>
@@ -5593,23 +6774,13 @@
                   </a:txBody>
                   <a:tcPr/>
                 </a:tc>
-                <a:tc>
-                  <a:txBody>
-                    <a:bodyPr/>
-                    <a:lstStyle/>
-                    <a:p>
-                      <a:endParaRPr lang="ru-RU"/>
-                    </a:p>
-                  </a:txBody>
-                  <a:tcPr/>
-                </a:tc>
                 <a:extLst>
                   <a:ext uri="{0D108BD9-81ED-4DB2-BD59-A6C34878D82A}">
                     <a16:rowId xmlns:a16="http://schemas.microsoft.com/office/drawing/2014/main" val="320379330"/>
                   </a:ext>
                 </a:extLst>
               </a:tr>
-              <a:tr h="849325">
+              <a:tr h="899761">
                 <a:tc>
                   <a:txBody>
                     <a:bodyPr/>
@@ -5683,23 +6854,13 @@
                   </a:txBody>
                   <a:tcPr/>
                 </a:tc>
-                <a:tc>
-                  <a:txBody>
-                    <a:bodyPr/>
-                    <a:lstStyle/>
-                    <a:p>
-                      <a:endParaRPr lang="ru-RU"/>
-                    </a:p>
-                  </a:txBody>
-                  <a:tcPr/>
-                </a:tc>
                 <a:extLst>
                   <a:ext uri="{0D108BD9-81ED-4DB2-BD59-A6C34878D82A}">
                     <a16:rowId xmlns:a16="http://schemas.microsoft.com/office/drawing/2014/main" val="829885678"/>
                   </a:ext>
                 </a:extLst>
               </a:tr>
-              <a:tr h="594527">
+              <a:tr h="629832">
                 <a:tc>
                   <a:txBody>
                     <a:bodyPr/>
@@ -5767,23 +6928,13 @@
                   </a:txBody>
                   <a:tcPr/>
                 </a:tc>
-                <a:tc>
-                  <a:txBody>
-                    <a:bodyPr/>
-                    <a:lstStyle/>
-                    <a:p>
-                      <a:endParaRPr lang="ru-RU"/>
-                    </a:p>
-                  </a:txBody>
-                  <a:tcPr/>
-                </a:tc>
                 <a:extLst>
                   <a:ext uri="{0D108BD9-81ED-4DB2-BD59-A6C34878D82A}">
                     <a16:rowId xmlns:a16="http://schemas.microsoft.com/office/drawing/2014/main" val="1701698293"/>
                   </a:ext>
                 </a:extLst>
               </a:tr>
-              <a:tr h="594527">
+              <a:tr h="629832">
                 <a:tc>
                   <a:txBody>
                     <a:bodyPr/>
@@ -5849,23 +7000,13 @@
                   </a:txBody>
                   <a:tcPr/>
                 </a:tc>
-                <a:tc>
-                  <a:txBody>
-                    <a:bodyPr/>
-                    <a:lstStyle/>
-                    <a:p>
-                      <a:endParaRPr lang="ru-RU"/>
-                    </a:p>
-                  </a:txBody>
-                  <a:tcPr/>
-                </a:tc>
                 <a:extLst>
                   <a:ext uri="{0D108BD9-81ED-4DB2-BD59-A6C34878D82A}">
                     <a16:rowId xmlns:a16="http://schemas.microsoft.com/office/drawing/2014/main" val="1320895307"/>
                   </a:ext>
                 </a:extLst>
               </a:tr>
-              <a:tr h="594527">
+              <a:tr h="629832">
                 <a:tc>
                   <a:txBody>
                     <a:bodyPr/>
@@ -5956,23 +7097,13 @@
                   </a:txBody>
                   <a:tcPr/>
                 </a:tc>
-                <a:tc>
-                  <a:txBody>
-                    <a:bodyPr/>
-                    <a:lstStyle/>
-                    <a:p>
-                      <a:endParaRPr lang="ru-RU" dirty="0"/>
-                    </a:p>
-                  </a:txBody>
-                  <a:tcPr/>
-                </a:tc>
                 <a:extLst>
                   <a:ext uri="{0D108BD9-81ED-4DB2-BD59-A6C34878D82A}">
                     <a16:rowId xmlns:a16="http://schemas.microsoft.com/office/drawing/2014/main" val="360976154"/>
                   </a:ext>
                 </a:extLst>
               </a:tr>
-              <a:tr h="849325">
+              <a:tr h="899761">
                 <a:tc>
                   <a:txBody>
                     <a:bodyPr/>
@@ -6038,23 +7169,13 @@
                   </a:txBody>
                   <a:tcPr/>
                 </a:tc>
-                <a:tc>
-                  <a:txBody>
-                    <a:bodyPr/>
-                    <a:lstStyle/>
-                    <a:p>
-                      <a:endParaRPr lang="ru-RU" dirty="0"/>
-                    </a:p>
-                  </a:txBody>
-                  <a:tcPr/>
-                </a:tc>
                 <a:extLst>
                   <a:ext uri="{0D108BD9-81ED-4DB2-BD59-A6C34878D82A}">
                     <a16:rowId xmlns:a16="http://schemas.microsoft.com/office/drawing/2014/main" val="31501925"/>
                   </a:ext>
                 </a:extLst>
               </a:tr>
-              <a:tr h="849325">
+              <a:tr h="846383">
                 <a:tc>
                   <a:txBody>
                     <a:bodyPr/>
@@ -6129,23 +7250,13 @@
                   </a:txBody>
                   <a:tcPr/>
                 </a:tc>
-                <a:tc>
-                  <a:txBody>
-                    <a:bodyPr/>
-                    <a:lstStyle/>
-                    <a:p>
-                      <a:endParaRPr lang="ru-RU" dirty="0"/>
-                    </a:p>
-                  </a:txBody>
-                  <a:tcPr/>
-                </a:tc>
                 <a:extLst>
                   <a:ext uri="{0D108BD9-81ED-4DB2-BD59-A6C34878D82A}">
                     <a16:rowId xmlns:a16="http://schemas.microsoft.com/office/drawing/2014/main" val="462187466"/>
                   </a:ext>
                 </a:extLst>
               </a:tr>
-              <a:tr h="1104122">
+              <a:tr h="1100298">
                 <a:tc>
                   <a:txBody>
                     <a:bodyPr/>
@@ -6211,16 +7322,6 @@
                   </a:txBody>
                   <a:tcPr/>
                 </a:tc>
-                <a:tc>
-                  <a:txBody>
-                    <a:bodyPr/>
-                    <a:lstStyle/>
-                    <a:p>
-                      <a:endParaRPr lang="ru-RU" dirty="0"/>
-                    </a:p>
-                  </a:txBody>
-                  <a:tcPr/>
-                </a:tc>
                 <a:extLst>
                   <a:ext uri="{0D108BD9-81ED-4DB2-BD59-A6C34878D82A}">
                     <a16:rowId xmlns:a16="http://schemas.microsoft.com/office/drawing/2014/main" val="2727134959"/>
@@ -6282,9 +7383,6 @@
   <p:clrMapOvr>
     <a:masterClrMapping/>
   </p:clrMapOvr>
-  <p:transition spd="slow">
-    <p:push dir="u"/>
-  </p:transition>
 </p:sld>
 </file>
 
@@ -6393,17 +7491,7 @@
           <a:p>
             <a:r>
               <a:rPr lang="ru-RU" sz="2000" dirty="0"/>
-              <a:t>Появившись в конце </a:t>
-            </a:r>
-            <a:r>
-              <a:rPr lang="ru-RU" sz="2000" dirty="0">
-                <a:hlinkClick r:id="rId2" tooltip="1960-е годы"/>
-              </a:rPr>
-              <a:t>1960-х</a:t>
-            </a:r>
-            <a:r>
-              <a:rPr lang="ru-RU" sz="2000" dirty="0"/>
-              <a:t>годов, </a:t>
+              <a:t>Появившись в конце 1960-х годов, </a:t>
             </a:r>
             <a:r>
               <a:rPr lang="ru-RU" sz="2000" dirty="0" err="1"/>
@@ -6423,7 +7511,7 @@
           <a:p>
             <a:r>
               <a:rPr lang="ru-RU" sz="2000" b="1" dirty="0">
-                <a:hlinkClick r:id="rId3" tooltip="Микро-ЭВМ">
+                <a:hlinkClick r:id="rId2" tooltip="Микро-ЭВМ">
                   <a:extLst>
                     <a:ext uri="{A12FA001-AC4F-418D-AE19-62706E023703}">
                       <ahyp:hlinkClr xmlns:ahyp="http://schemas.microsoft.com/office/drawing/2018/hyperlinkcolor" val="tx"/>
@@ -6435,17 +7523,7 @@
             </a:r>
             <a:r>
               <a:rPr lang="ru-RU" sz="2000" dirty="0"/>
-              <a:t> — ЭВМ малых размеров, созданная на базе </a:t>
-            </a:r>
-            <a:r>
-              <a:rPr lang="ru-RU" sz="2000" dirty="0">
-                <a:hlinkClick r:id="rId4" tooltip="Микропроцессор"/>
-              </a:rPr>
-              <a:t>микропроцессора</a:t>
-            </a:r>
-            <a:r>
-              <a:rPr lang="ru-RU" sz="2000" dirty="0"/>
-              <a:t>. </a:t>
+              <a:t> — ЭВМ малых размеров, созданная на базе микропроцессора. </a:t>
             </a:r>
           </a:p>
           <a:p>
@@ -6480,27 +7558,7 @@
           <a:p>
             <a:r>
               <a:rPr lang="ru-RU" sz="2000" dirty="0"/>
-              <a:t>вытеснен </a:t>
-            </a:r>
-            <a:r>
-              <a:rPr lang="ru-RU" sz="2000" dirty="0">
-                <a:hlinkClick r:id="rId5" tooltip="Синоним"/>
-              </a:rPr>
-              <a:t>синонимом</a:t>
-            </a:r>
-            <a:r>
-              <a:rPr lang="ru-RU" sz="2000" dirty="0"/>
-              <a:t> «</a:t>
-            </a:r>
-            <a:r>
-              <a:rPr lang="ru-RU" sz="2000" dirty="0">
-                <a:hlinkClick r:id="rId6" tooltip="Персональный компьютер"/>
-              </a:rPr>
-              <a:t>персональный компьютер</a:t>
-            </a:r>
-            <a:r>
-              <a:rPr lang="ru-RU" sz="2000" dirty="0"/>
-              <a:t>» (сокращённо: </a:t>
+              <a:t>вытеснен синонимом «персональный компьютер» (сокращённо: </a:t>
             </a:r>
             <a:r>
               <a:rPr lang="ru-RU" sz="2000" b="1" dirty="0"/>
@@ -6514,17 +7572,7 @@
           <a:p>
             <a:r>
               <a:rPr lang="ru-RU" sz="2000" dirty="0"/>
-              <a:t>В настоящее время, персональные компьютеры не относятся к </a:t>
-            </a:r>
-            <a:r>
-              <a:rPr lang="ru-RU" sz="2000" dirty="0">
-                <a:hlinkClick r:id="rId7" tooltip="Микрокомпьютер"/>
-              </a:rPr>
-              <a:t>микрокомпьютерам</a:t>
-            </a:r>
-            <a:r>
-              <a:rPr lang="ru-RU" sz="2000" dirty="0"/>
-              <a:t>.</a:t>
+              <a:t>В настоящее время, персональные компьютеры не относятся к микрокомпьютерам.</a:t>
             </a:r>
           </a:p>
           <a:p>
@@ -6534,17 +7582,7 @@
             </a:r>
             <a:r>
               <a:rPr lang="ru-RU" sz="2000" dirty="0"/>
-              <a:t> (</a:t>
-            </a:r>
-            <a:r>
-              <a:rPr lang="ru-RU" sz="2000" dirty="0">
-                <a:hlinkClick r:id="rId8" tooltip="Мейнфрейм"/>
-              </a:rPr>
-              <a:t>мейнфреймы</a:t>
-            </a:r>
-            <a:r>
-              <a:rPr lang="ru-RU" sz="2000" dirty="0"/>
-              <a:t>)</a:t>
+              <a:t> (мейнфреймы)</a:t>
             </a:r>
           </a:p>
           <a:p>
@@ -6554,17 +7592,7 @@
             </a:r>
             <a:r>
               <a:rPr lang="ru-RU" sz="2000" dirty="0"/>
-              <a:t> (</a:t>
-            </a:r>
-            <a:r>
-              <a:rPr lang="ru-RU" sz="2000" dirty="0">
-                <a:hlinkClick r:id="rId9" tooltip="Суперкомпьютер"/>
-              </a:rPr>
-              <a:t>суперкомпьютеры</a:t>
-            </a:r>
-            <a:r>
-              <a:rPr lang="ru-RU" sz="2000" dirty="0"/>
-              <a:t>)</a:t>
+              <a:t> (суперкомпьютеры)</a:t>
             </a:r>
           </a:p>
           <a:p>
@@ -6582,18 +7610,6 @@
   <p:clrMapOvr>
     <a:masterClrMapping/>
   </p:clrMapOvr>
-  <mc:AlternateContent xmlns:mc="http://schemas.openxmlformats.org/markup-compatibility/2006">
-    <mc:Choice xmlns:p14="http://schemas.microsoft.com/office/powerpoint/2010/main" Requires="p14">
-      <p:transition spd="med" p14:dur="700">
-        <p:fade/>
-      </p:transition>
-    </mc:Choice>
-    <mc:Fallback>
-      <p:transition spd="med">
-        <p:fade/>
-      </p:transition>
-    </mc:Fallback>
-  </mc:AlternateContent>
 </p:sld>
 </file>
 
